--- a/Medical Insurance Cost.pptx
+++ b/Medical Insurance Cost.pptx
@@ -444,7 +444,7 @@
           <a:p>
             <a:fld id="{B565716D-39C9-48C4-A3EB-B88E4515427D}" type="datetimeFigureOut">
               <a:rPr lang="en-US" smtClean="0"/>
-              <a:t>11/18/2021</a:t>
+              <a:t>11/20/2021</a:t>
             </a:fld>
             <a:endParaRPr lang="en-US" dirty="0"/>
           </a:p>
@@ -11462,7 +11462,7 @@
             </a:br>
             <a:r>
               <a:rPr lang="en-US" sz="3200" dirty="0"/>
-              <a:t>Predictions</a:t>
+              <a:t>Estimator</a:t>
             </a:r>
           </a:p>
         </p:txBody>
@@ -11951,6 +11951,39 @@
 <file path=ppt/slides/slide11.xml><?xml version="1.0" encoding="utf-8"?>
 <p:sld xmlns:a="http://schemas.openxmlformats.org/drawingml/2006/main" xmlns:r="http://schemas.openxmlformats.org/officeDocument/2006/relationships" xmlns:p="http://schemas.openxmlformats.org/presentationml/2006/main">
   <p:cSld>
+    <p:bg>
+      <p:bgPr>
+        <a:gradFill>
+          <a:gsLst>
+            <a:gs pos="0">
+              <a:schemeClr val="bg2">
+                <a:lumMod val="75000"/>
+              </a:schemeClr>
+            </a:gs>
+            <a:gs pos="74000">
+              <a:schemeClr val="accent1">
+                <a:lumMod val="45000"/>
+                <a:lumOff val="55000"/>
+              </a:schemeClr>
+            </a:gs>
+            <a:gs pos="83000">
+              <a:schemeClr val="accent1">
+                <a:lumMod val="45000"/>
+                <a:lumOff val="55000"/>
+              </a:schemeClr>
+            </a:gs>
+            <a:gs pos="100000">
+              <a:schemeClr val="accent1">
+                <a:lumMod val="30000"/>
+                <a:lumOff val="70000"/>
+              </a:schemeClr>
+            </a:gs>
+          </a:gsLst>
+          <a:lin ang="5400000" scaled="1"/>
+        </a:gradFill>
+        <a:effectLst/>
+      </p:bgPr>
+    </p:bg>
     <p:spTree>
       <p:nvGrpSpPr>
         <p:cNvPr id="1" name=""/>
@@ -12130,8 +12163,8 @@
         </p:blipFill>
         <p:spPr>
           <a:xfrm>
-            <a:off x="6874854" y="808186"/>
-            <a:ext cx="4836147" cy="3345038"/>
+            <a:off x="6843137" y="565035"/>
+            <a:ext cx="2669979" cy="2682345"/>
           </a:xfrm>
           <a:prstGeom prst="rect">
             <a:avLst/>
@@ -12167,8 +12200,8 @@
         </p:blipFill>
         <p:spPr>
           <a:xfrm>
-            <a:off x="6874854" y="4153223"/>
-            <a:ext cx="4700910" cy="2602165"/>
+            <a:off x="9362114" y="565035"/>
+            <a:ext cx="2596861" cy="2682345"/>
           </a:xfrm>
           <a:prstGeom prst="rect">
             <a:avLst/>
@@ -12177,6 +12210,44 @@
             <a:solidFill>
               <a:schemeClr val="bg1">
                 <a:lumMod val="50000"/>
+              </a:schemeClr>
+            </a:solidFill>
+          </a:ln>
+        </p:spPr>
+      </p:pic>
+      <p:pic>
+        <p:nvPicPr>
+          <p:cNvPr id="6" name="Picture 5">
+            <a:extLst>
+              <a:ext uri="{FF2B5EF4-FFF2-40B4-BE49-F238E27FC236}">
+                <a16:creationId xmlns:a16="http://schemas.microsoft.com/office/drawing/2014/main" id="{31A2F50B-B3A9-4B35-8378-7BC2410E2199}"/>
+              </a:ext>
+            </a:extLst>
+          </p:cNvPr>
+          <p:cNvPicPr>
+            <a:picLocks noChangeAspect="1"/>
+          </p:cNvPicPr>
+          <p:nvPr/>
+        </p:nvPicPr>
+        <p:blipFill>
+          <a:blip r:embed="rId5"/>
+          <a:stretch>
+            <a:fillRect/>
+          </a:stretch>
+        </p:blipFill>
+        <p:spPr>
+          <a:xfrm>
+            <a:off x="6843137" y="3247380"/>
+            <a:ext cx="5115838" cy="3264858"/>
+          </a:xfrm>
+          <a:prstGeom prst="rect">
+            <a:avLst/>
+          </a:prstGeom>
+          <a:ln>
+            <a:solidFill>
+              <a:schemeClr val="tx1">
+                <a:lumMod val="50000"/>
+                <a:lumOff val="50000"/>
               </a:schemeClr>
             </a:solidFill>
           </a:ln>
@@ -12198,6 +12269,39 @@
 <file path=ppt/slides/slide12.xml><?xml version="1.0" encoding="utf-8"?>
 <p:sld xmlns:a="http://schemas.openxmlformats.org/drawingml/2006/main" xmlns:r="http://schemas.openxmlformats.org/officeDocument/2006/relationships" xmlns:p="http://schemas.openxmlformats.org/presentationml/2006/main">
   <p:cSld>
+    <p:bg>
+      <p:bgPr>
+        <a:gradFill>
+          <a:gsLst>
+            <a:gs pos="0">
+              <a:schemeClr val="bg2">
+                <a:lumMod val="75000"/>
+              </a:schemeClr>
+            </a:gs>
+            <a:gs pos="74000">
+              <a:schemeClr val="accent1">
+                <a:lumMod val="45000"/>
+                <a:lumOff val="55000"/>
+              </a:schemeClr>
+            </a:gs>
+            <a:gs pos="83000">
+              <a:schemeClr val="accent1">
+                <a:lumMod val="45000"/>
+                <a:lumOff val="55000"/>
+              </a:schemeClr>
+            </a:gs>
+            <a:gs pos="100000">
+              <a:schemeClr val="accent1">
+                <a:lumMod val="30000"/>
+                <a:lumOff val="70000"/>
+              </a:schemeClr>
+            </a:gs>
+          </a:gsLst>
+          <a:lin ang="5400000" scaled="1"/>
+        </a:gradFill>
+        <a:effectLst/>
+      </p:bgPr>
+    </p:bg>
     <p:spTree>
       <p:nvGrpSpPr>
         <p:cNvPr id="1" name=""/>
@@ -12235,7 +12339,7 @@
           <a:p>
             <a:r>
               <a:rPr lang="en-US" dirty="0"/>
-              <a:t>Deployment of  the Website</a:t>
+              <a:t>Deployment of  the  Website</a:t>
             </a:r>
             <a:br>
               <a:rPr lang="en-US" dirty="0"/>
@@ -12344,8 +12448,38 @@
         </p:blipFill>
         <p:spPr>
           <a:xfrm>
-            <a:off x="491319" y="1421503"/>
-            <a:ext cx="6042561" cy="4788592"/>
+            <a:off x="491320" y="1421503"/>
+            <a:ext cx="3852080" cy="5231960"/>
+          </a:xfrm>
+          <a:prstGeom prst="rect">
+            <a:avLst/>
+          </a:prstGeom>
+        </p:spPr>
+      </p:pic>
+      <p:pic>
+        <p:nvPicPr>
+          <p:cNvPr id="4" name="Picture 3">
+            <a:extLst>
+              <a:ext uri="{FF2B5EF4-FFF2-40B4-BE49-F238E27FC236}">
+                <a16:creationId xmlns:a16="http://schemas.microsoft.com/office/drawing/2014/main" id="{1B421DCC-B031-49B8-A61F-209C57FEA1FC}"/>
+              </a:ext>
+            </a:extLst>
+          </p:cNvPr>
+          <p:cNvPicPr>
+            <a:picLocks noChangeAspect="1"/>
+          </p:cNvPicPr>
+          <p:nvPr/>
+        </p:nvPicPr>
+        <p:blipFill>
+          <a:blip r:embed="rId3"/>
+          <a:stretch>
+            <a:fillRect/>
+          </a:stretch>
+        </p:blipFill>
+        <p:spPr>
+          <a:xfrm>
+            <a:off x="4343400" y="1421502"/>
+            <a:ext cx="4319337" cy="5231960"/>
           </a:xfrm>
           <a:prstGeom prst="rect">
             <a:avLst/>
@@ -12368,6 +12502,16 @@
 <file path=ppt/slides/slide13.xml><?xml version="1.0" encoding="utf-8"?>
 <p:sld xmlns:a="http://schemas.openxmlformats.org/drawingml/2006/main" xmlns:r="http://schemas.openxmlformats.org/officeDocument/2006/relationships" xmlns:p="http://schemas.openxmlformats.org/presentationml/2006/main">
   <p:cSld>
+    <p:bg>
+      <p:bgPr>
+        <a:solidFill>
+          <a:schemeClr val="bg2">
+            <a:lumMod val="75000"/>
+          </a:schemeClr>
+        </a:solidFill>
+        <a:effectLst/>
+      </p:bgPr>
+    </p:bg>
     <p:spTree>
       <p:nvGrpSpPr>
         <p:cNvPr id="1" name=""/>
@@ -13436,7 +13580,7 @@
           <a:p>
             <a:r>
               <a:rPr lang="en-US" dirty="0"/>
-              <a:t>THE TEAM</a:t>
+              <a:t>THE  TEAM</a:t>
             </a:r>
           </a:p>
         </p:txBody>
@@ -13505,6 +13649,39 @@
 <file path=ppt/slides/slide3.xml><?xml version="1.0" encoding="utf-8"?>
 <p:sld xmlns:a="http://schemas.openxmlformats.org/drawingml/2006/main" xmlns:r="http://schemas.openxmlformats.org/officeDocument/2006/relationships" xmlns:p="http://schemas.openxmlformats.org/presentationml/2006/main">
   <p:cSld>
+    <p:bg>
+      <p:bgPr>
+        <a:gradFill>
+          <a:gsLst>
+            <a:gs pos="0">
+              <a:schemeClr val="bg2">
+                <a:lumMod val="75000"/>
+              </a:schemeClr>
+            </a:gs>
+            <a:gs pos="74000">
+              <a:schemeClr val="accent1">
+                <a:lumMod val="45000"/>
+                <a:lumOff val="55000"/>
+              </a:schemeClr>
+            </a:gs>
+            <a:gs pos="83000">
+              <a:schemeClr val="accent1">
+                <a:lumMod val="45000"/>
+                <a:lumOff val="55000"/>
+              </a:schemeClr>
+            </a:gs>
+            <a:gs pos="100000">
+              <a:schemeClr val="accent1">
+                <a:lumMod val="30000"/>
+                <a:lumOff val="70000"/>
+              </a:schemeClr>
+            </a:gs>
+          </a:gsLst>
+          <a:lin ang="5400000" scaled="1"/>
+        </a:gradFill>
+        <a:effectLst/>
+      </p:bgPr>
+    </p:bg>
     <p:spTree>
       <p:nvGrpSpPr>
         <p:cNvPr id="1" name=""/>
@@ -13635,6 +13812,53 @@
             </a:r>
           </a:p>
           <a:p>
+            <a:pPr marL="0" marR="0" lvl="0" indent="0" algn="ctr" defTabSz="914400" rtl="0" eaLnBrk="1" fontAlgn="auto" latinLnBrk="0" hangingPunct="1">
+              <a:lnSpc>
+                <a:spcPct val="100000"/>
+              </a:lnSpc>
+              <a:spcBef>
+                <a:spcPts val="0"/>
+              </a:spcBef>
+              <a:spcAft>
+                <a:spcPts val="1000"/>
+              </a:spcAft>
+              <a:buClr>
+                <a:srgbClr val="107082"/>
+              </a:buClr>
+              <a:buSzTx/>
+              <a:buFont typeface="Arial" panose="020B0604020202020204" pitchFamily="34" charset="0"/>
+              <a:buNone/>
+              <a:tabLst/>
+              <a:defRPr/>
+            </a:pPr>
+            <a:r>
+              <a:rPr kumimoji="0" lang="en-US" sz="2400" b="1" i="0" u="none" strike="noStrike" kern="1200" cap="none" spc="0" normalizeH="0" baseline="0" noProof="0" dirty="0">
+                <a:ln>
+                  <a:noFill/>
+                </a:ln>
+                <a:solidFill>
+                  <a:srgbClr val="64B2C1">
+                    <a:lumMod val="75000"/>
+                  </a:srgbClr>
+                </a:solidFill>
+                <a:effectLst/>
+                <a:uLnTx/>
+                <a:uFillTx/>
+                <a:latin typeface="Arial "/>
+                <a:ea typeface="+mn-ea"/>
+                <a:cs typeface="+mn-cs"/>
+              </a:rPr>
+              <a:t>Website</a:t>
+            </a:r>
+            <a:endParaRPr lang="en-US" sz="2400" b="1" dirty="0">
+              <a:solidFill>
+                <a:schemeClr val="bg2">
+                  <a:lumMod val="75000"/>
+                </a:schemeClr>
+              </a:solidFill>
+            </a:endParaRPr>
+          </a:p>
+          <a:p>
             <a:pPr algn="ctr"/>
             <a:r>
               <a:rPr lang="en-US" sz="2400" b="1" dirty="0">
@@ -13645,19 +13869,6 @@
                 </a:solidFill>
               </a:rPr>
               <a:t>Insights/Next Steps</a:t>
-            </a:r>
-          </a:p>
-          <a:p>
-            <a:pPr algn="ctr"/>
-            <a:r>
-              <a:rPr lang="en-US" sz="2400" b="1" dirty="0">
-                <a:solidFill>
-                  <a:schemeClr val="bg2">
-                    <a:lumMod val="75000"/>
-                  </a:schemeClr>
-                </a:solidFill>
-              </a:rPr>
-              <a:t>Website</a:t>
             </a:r>
           </a:p>
           <a:p>
@@ -17184,27 +17395,7 @@
                   </a:schemeClr>
                 </a:solidFill>
               </a:rPr>
-              <a:t>Exploratory Data Analysis - Pandas / </a:t>
-            </a:r>
-            <a:r>
-              <a:rPr lang="en-US" sz="2000" b="1" dirty="0" err="1">
-                <a:solidFill>
-                  <a:schemeClr val="bg2">
-                    <a:lumMod val="75000"/>
-                  </a:schemeClr>
-                </a:solidFill>
-              </a:rPr>
-              <a:t>Jupyter</a:t>
-            </a:r>
-            <a:r>
-              <a:rPr lang="en-US" sz="2000" b="1" dirty="0">
-                <a:solidFill>
-                  <a:schemeClr val="bg2">
-                    <a:lumMod val="75000"/>
-                  </a:schemeClr>
-                </a:solidFill>
-              </a:rPr>
-              <a:t> Notebook</a:t>
+              <a:t>Exploratory Data Analysis - Pandas / Jupyter Notebook</a:t>
             </a:r>
           </a:p>
           <a:p>
@@ -18278,15 +18469,7 @@
             </a:br>
             <a:r>
               <a:rPr lang="en-US" sz="2800" dirty="0"/>
-              <a:t>Ridge  </a:t>
-            </a:r>
-            <a:r>
-              <a:rPr lang="en-US" sz="2800" dirty="0" err="1"/>
-              <a:t>RegresSion</a:t>
-            </a:r>
-            <a:r>
-              <a:rPr lang="en-US" sz="2800" dirty="0"/>
-              <a:t> 		Random Forest</a:t>
+              <a:t>Ridge  Regression 		Random Forest</a:t>
             </a:r>
             <a:br>
               <a:rPr lang="en-US" dirty="0"/>

--- a/Medical Insurance Cost.pptx
+++ b/Medical Insurance Cost.pptx
@@ -5,7 +5,7 @@
     <p:sldMasterId id="2147483648" r:id="rId4"/>
   </p:sldMasterIdLst>
   <p:notesMasterIdLst>
-    <p:notesMasterId r:id="rId20"/>
+    <p:notesMasterId r:id="rId21"/>
   </p:notesMasterIdLst>
   <p:sldIdLst>
     <p:sldId id="257" r:id="rId5"/>
@@ -15,14 +15,15 @@
     <p:sldId id="260" r:id="rId9"/>
     <p:sldId id="275" r:id="rId10"/>
     <p:sldId id="262" r:id="rId11"/>
-    <p:sldId id="263" r:id="rId12"/>
+    <p:sldId id="280" r:id="rId12"/>
     <p:sldId id="277" r:id="rId13"/>
     <p:sldId id="265" r:id="rId14"/>
     <p:sldId id="266" r:id="rId15"/>
-    <p:sldId id="271" r:id="rId16"/>
-    <p:sldId id="272" r:id="rId17"/>
-    <p:sldId id="273" r:id="rId18"/>
-    <p:sldId id="274" r:id="rId19"/>
+    <p:sldId id="272" r:id="rId16"/>
+    <p:sldId id="278" r:id="rId17"/>
+    <p:sldId id="279" r:id="rId18"/>
+    <p:sldId id="273" r:id="rId19"/>
+    <p:sldId id="274" r:id="rId20"/>
   </p:sldIdLst>
   <p:sldSz cx="12192000" cy="6858000"/>
   <p:notesSz cx="6858000" cy="9144000"/>
@@ -444,7 +445,7 @@
           <a:p>
             <a:fld id="{B565716D-39C9-48C4-A3EB-B88E4515427D}" type="datetimeFigureOut">
               <a:rPr lang="en-US" smtClean="0"/>
-              <a:t>11/20/2021</a:t>
+              <a:t>11/21/2021</a:t>
             </a:fld>
             <a:endParaRPr lang="en-US" dirty="0"/>
           </a:p>
@@ -11847,10 +11848,10 @@
       </p:sp>
       <p:pic>
         <p:nvPicPr>
-          <p:cNvPr id="15" name="Picture 14">
-            <a:extLst>
-              <a:ext uri="{FF2B5EF4-FFF2-40B4-BE49-F238E27FC236}">
-                <a16:creationId xmlns:a16="http://schemas.microsoft.com/office/drawing/2014/main" id="{55C1D73B-B9AD-436F-BECD-199905B1195B}"/>
+          <p:cNvPr id="16" name="Picture 15">
+            <a:extLst>
+              <a:ext uri="{FF2B5EF4-FFF2-40B4-BE49-F238E27FC236}">
+                <a16:creationId xmlns:a16="http://schemas.microsoft.com/office/drawing/2014/main" id="{240BF8DE-7CBC-4EE6-A6C4-E07A4BF1CFD5}"/>
               </a:ext>
             </a:extLst>
           </p:cNvPr>
@@ -11867,8 +11868,8 @@
         </p:blipFill>
         <p:spPr>
           <a:xfrm>
-            <a:off x="684001" y="1430668"/>
-            <a:ext cx="7668430" cy="5122254"/>
+            <a:off x="361134" y="1457931"/>
+            <a:ext cx="5979508" cy="4285945"/>
           </a:xfrm>
           <a:prstGeom prst="rect">
             <a:avLst/>
@@ -11877,10 +11878,10 @@
       </p:pic>
       <p:pic>
         <p:nvPicPr>
-          <p:cNvPr id="16" name="Picture 15">
-            <a:extLst>
-              <a:ext uri="{FF2B5EF4-FFF2-40B4-BE49-F238E27FC236}">
-                <a16:creationId xmlns:a16="http://schemas.microsoft.com/office/drawing/2014/main" id="{240BF8DE-7CBC-4EE6-A6C4-E07A4BF1CFD5}"/>
+          <p:cNvPr id="5" name="Picture 4">
+            <a:extLst>
+              <a:ext uri="{FF2B5EF4-FFF2-40B4-BE49-F238E27FC236}">
+                <a16:creationId xmlns:a16="http://schemas.microsoft.com/office/drawing/2014/main" id="{E213EBC9-C995-46B5-976A-C45050097C87}"/>
               </a:ext>
             </a:extLst>
           </p:cNvPr>
@@ -11897,38 +11898,8 @@
         </p:blipFill>
         <p:spPr>
           <a:xfrm>
-            <a:off x="4464000" y="4235247"/>
-            <a:ext cx="3562350" cy="2317676"/>
-          </a:xfrm>
-          <a:prstGeom prst="rect">
-            <a:avLst/>
-          </a:prstGeom>
-        </p:spPr>
-      </p:pic>
-      <p:pic>
-        <p:nvPicPr>
-          <p:cNvPr id="18" name="Picture 17">
-            <a:extLst>
-              <a:ext uri="{FF2B5EF4-FFF2-40B4-BE49-F238E27FC236}">
-                <a16:creationId xmlns:a16="http://schemas.microsoft.com/office/drawing/2014/main" id="{89759A9A-405A-47FA-867C-C44904C7D943}"/>
-              </a:ext>
-            </a:extLst>
-          </p:cNvPr>
-          <p:cNvPicPr>
-            <a:picLocks noChangeAspect="1"/>
-          </p:cNvPicPr>
-          <p:nvPr/>
-        </p:nvPicPr>
-        <p:blipFill>
-          <a:blip r:embed="rId5"/>
-          <a:stretch>
-            <a:fillRect/>
-          </a:stretch>
-        </p:blipFill>
-        <p:spPr>
-          <a:xfrm>
-            <a:off x="8312542" y="2068584"/>
-            <a:ext cx="3493807" cy="3358748"/>
+            <a:off x="6340643" y="1457932"/>
+            <a:ext cx="5646150" cy="4285944"/>
           </a:xfrm>
           <a:prstGeom prst="rect">
             <a:avLst/>
@@ -12051,7 +12022,7 @@
           <a:p>
             <a:r>
               <a:rPr lang="en-US" sz="2800" dirty="0"/>
-              <a:t>development of  the  website</a:t>
+              <a:t>Deployment of  the model</a:t>
             </a:r>
           </a:p>
         </p:txBody>
@@ -12104,155 +12075,6 @@
           </a:p>
         </p:txBody>
       </p:sp>
-      <p:pic>
-        <p:nvPicPr>
-          <p:cNvPr id="13" name="Picture 12">
-            <a:extLst>
-              <a:ext uri="{FF2B5EF4-FFF2-40B4-BE49-F238E27FC236}">
-                <a16:creationId xmlns:a16="http://schemas.microsoft.com/office/drawing/2014/main" id="{DECA0C73-179C-4C91-9FDF-7BF2BCA294E1}"/>
-              </a:ext>
-            </a:extLst>
-          </p:cNvPr>
-          <p:cNvPicPr>
-            <a:picLocks noChangeAspect="1"/>
-          </p:cNvPicPr>
-          <p:nvPr/>
-        </p:nvPicPr>
-        <p:blipFill>
-          <a:blip r:embed="rId2"/>
-          <a:stretch>
-            <a:fillRect/>
-          </a:stretch>
-        </p:blipFill>
-        <p:spPr>
-          <a:xfrm>
-            <a:off x="345762" y="1421503"/>
-            <a:ext cx="6529092" cy="5090735"/>
-          </a:xfrm>
-          <a:prstGeom prst="rect">
-            <a:avLst/>
-          </a:prstGeom>
-          <a:ln>
-            <a:solidFill>
-              <a:schemeClr val="bg1">
-                <a:lumMod val="50000"/>
-              </a:schemeClr>
-            </a:solidFill>
-          </a:ln>
-        </p:spPr>
-      </p:pic>
-      <p:pic>
-        <p:nvPicPr>
-          <p:cNvPr id="15" name="Picture 14">
-            <a:extLst>
-              <a:ext uri="{FF2B5EF4-FFF2-40B4-BE49-F238E27FC236}">
-                <a16:creationId xmlns:a16="http://schemas.microsoft.com/office/drawing/2014/main" id="{04F33ADE-8865-4B50-B5EA-A2B825102ACE}"/>
-              </a:ext>
-            </a:extLst>
-          </p:cNvPr>
-          <p:cNvPicPr>
-            <a:picLocks noChangeAspect="1"/>
-          </p:cNvPicPr>
-          <p:nvPr/>
-        </p:nvPicPr>
-        <p:blipFill>
-          <a:blip r:embed="rId3"/>
-          <a:stretch>
-            <a:fillRect/>
-          </a:stretch>
-        </p:blipFill>
-        <p:spPr>
-          <a:xfrm>
-            <a:off x="6843137" y="565035"/>
-            <a:ext cx="2669979" cy="2682345"/>
-          </a:xfrm>
-          <a:prstGeom prst="rect">
-            <a:avLst/>
-          </a:prstGeom>
-          <a:ln>
-            <a:solidFill>
-              <a:schemeClr val="bg1">
-                <a:lumMod val="50000"/>
-              </a:schemeClr>
-            </a:solidFill>
-          </a:ln>
-        </p:spPr>
-      </p:pic>
-      <p:pic>
-        <p:nvPicPr>
-          <p:cNvPr id="17" name="Picture 16">
-            <a:extLst>
-              <a:ext uri="{FF2B5EF4-FFF2-40B4-BE49-F238E27FC236}">
-                <a16:creationId xmlns:a16="http://schemas.microsoft.com/office/drawing/2014/main" id="{2D7C0CF5-FC95-4AD6-8A7C-7DF25A044ADA}"/>
-              </a:ext>
-            </a:extLst>
-          </p:cNvPr>
-          <p:cNvPicPr>
-            <a:picLocks noChangeAspect="1"/>
-          </p:cNvPicPr>
-          <p:nvPr/>
-        </p:nvPicPr>
-        <p:blipFill>
-          <a:blip r:embed="rId4"/>
-          <a:stretch>
-            <a:fillRect/>
-          </a:stretch>
-        </p:blipFill>
-        <p:spPr>
-          <a:xfrm>
-            <a:off x="9362114" y="565035"/>
-            <a:ext cx="2596861" cy="2682345"/>
-          </a:xfrm>
-          <a:prstGeom prst="rect">
-            <a:avLst/>
-          </a:prstGeom>
-          <a:ln>
-            <a:solidFill>
-              <a:schemeClr val="bg1">
-                <a:lumMod val="50000"/>
-              </a:schemeClr>
-            </a:solidFill>
-          </a:ln>
-        </p:spPr>
-      </p:pic>
-      <p:pic>
-        <p:nvPicPr>
-          <p:cNvPr id="6" name="Picture 5">
-            <a:extLst>
-              <a:ext uri="{FF2B5EF4-FFF2-40B4-BE49-F238E27FC236}">
-                <a16:creationId xmlns:a16="http://schemas.microsoft.com/office/drawing/2014/main" id="{31A2F50B-B3A9-4B35-8378-7BC2410E2199}"/>
-              </a:ext>
-            </a:extLst>
-          </p:cNvPr>
-          <p:cNvPicPr>
-            <a:picLocks noChangeAspect="1"/>
-          </p:cNvPicPr>
-          <p:nvPr/>
-        </p:nvPicPr>
-        <p:blipFill>
-          <a:blip r:embed="rId5"/>
-          <a:stretch>
-            <a:fillRect/>
-          </a:stretch>
-        </p:blipFill>
-        <p:spPr>
-          <a:xfrm>
-            <a:off x="6843137" y="3247380"/>
-            <a:ext cx="5115838" cy="3264858"/>
-          </a:xfrm>
-          <a:prstGeom prst="rect">
-            <a:avLst/>
-          </a:prstGeom>
-          <a:ln>
-            <a:solidFill>
-              <a:schemeClr val="tx1">
-                <a:lumMod val="50000"/>
-                <a:lumOff val="50000"/>
-              </a:schemeClr>
-            </a:solidFill>
-          </a:ln>
-        </p:spPr>
-      </p:pic>
     </p:spTree>
     <p:extLst>
       <p:ext uri="{BB962C8B-B14F-4D97-AF65-F5344CB8AC3E}">
@@ -12267,239 +12089,6 @@
 </file>
 
 <file path=ppt/slides/slide12.xml><?xml version="1.0" encoding="utf-8"?>
-<p:sld xmlns:a="http://schemas.openxmlformats.org/drawingml/2006/main" xmlns:r="http://schemas.openxmlformats.org/officeDocument/2006/relationships" xmlns:p="http://schemas.openxmlformats.org/presentationml/2006/main">
-  <p:cSld>
-    <p:bg>
-      <p:bgPr>
-        <a:gradFill>
-          <a:gsLst>
-            <a:gs pos="0">
-              <a:schemeClr val="bg2">
-                <a:lumMod val="75000"/>
-              </a:schemeClr>
-            </a:gs>
-            <a:gs pos="74000">
-              <a:schemeClr val="accent1">
-                <a:lumMod val="45000"/>
-                <a:lumOff val="55000"/>
-              </a:schemeClr>
-            </a:gs>
-            <a:gs pos="83000">
-              <a:schemeClr val="accent1">
-                <a:lumMod val="45000"/>
-                <a:lumOff val="55000"/>
-              </a:schemeClr>
-            </a:gs>
-            <a:gs pos="100000">
-              <a:schemeClr val="accent1">
-                <a:lumMod val="30000"/>
-                <a:lumOff val="70000"/>
-              </a:schemeClr>
-            </a:gs>
-          </a:gsLst>
-          <a:lin ang="5400000" scaled="1"/>
-        </a:gradFill>
-        <a:effectLst/>
-      </p:bgPr>
-    </p:bg>
-    <p:spTree>
-      <p:nvGrpSpPr>
-        <p:cNvPr id="1" name=""/>
-        <p:cNvGrpSpPr/>
-        <p:nvPr/>
-      </p:nvGrpSpPr>
-      <p:grpSpPr>
-        <a:xfrm>
-          <a:off x="0" y="0"/>
-          <a:ext cx="0" cy="0"/>
-          <a:chOff x="0" y="0"/>
-          <a:chExt cx="0" cy="0"/>
-        </a:xfrm>
-      </p:grpSpPr>
-      <p:sp>
-        <p:nvSpPr>
-          <p:cNvPr id="3" name="Title 2">
-            <a:extLst>
-              <a:ext uri="{FF2B5EF4-FFF2-40B4-BE49-F238E27FC236}">
-                <a16:creationId xmlns:a16="http://schemas.microsoft.com/office/drawing/2014/main" id="{589FBC09-5A84-45A9-B63B-5DEAA4BE7605}"/>
-              </a:ext>
-            </a:extLst>
-          </p:cNvPr>
-          <p:cNvSpPr>
-            <a:spLocks noGrp="1"/>
-          </p:cNvSpPr>
-          <p:nvPr>
-            <p:ph type="title"/>
-          </p:nvPr>
-        </p:nvSpPr>
-        <p:spPr/>
-        <p:txBody>
-          <a:bodyPr/>
-          <a:lstStyle/>
-          <a:p>
-            <a:r>
-              <a:rPr lang="en-US" dirty="0"/>
-              <a:t>Deployment of  the  Website</a:t>
-            </a:r>
-            <a:br>
-              <a:rPr lang="en-US" dirty="0"/>
-            </a:br>
-            <a:endParaRPr lang="en-US" dirty="0"/>
-          </a:p>
-        </p:txBody>
-      </p:sp>
-      <p:sp>
-        <p:nvSpPr>
-          <p:cNvPr id="5" name="Slide Number Placeholder 4">
-            <a:extLst>
-              <a:ext uri="{FF2B5EF4-FFF2-40B4-BE49-F238E27FC236}">
-                <a16:creationId xmlns:a16="http://schemas.microsoft.com/office/drawing/2014/main" id="{D3927B38-2109-4A32-9B61-7046301BA0E5}"/>
-              </a:ext>
-            </a:extLst>
-          </p:cNvPr>
-          <p:cNvSpPr>
-            <a:spLocks noGrp="1"/>
-          </p:cNvSpPr>
-          <p:nvPr>
-            <p:ph type="sldNum" sz="quarter" idx="11"/>
-          </p:nvPr>
-        </p:nvSpPr>
-        <p:spPr/>
-        <p:txBody>
-          <a:bodyPr/>
-          <a:lstStyle/>
-          <a:p>
-            <a:fld id="{EECC7194-A4D0-457B-9D3E-53681723AFF7}" type="slidenum">
-              <a:rPr lang="en-US" smtClean="0"/>
-              <a:pPr/>
-              <a:t>12</a:t>
-            </a:fld>
-            <a:endParaRPr lang="en-US" dirty="0"/>
-          </a:p>
-        </p:txBody>
-      </p:sp>
-      <p:sp>
-        <p:nvSpPr>
-          <p:cNvPr id="11" name="object 7" descr="Beige rectangle">
-            <a:extLst>
-              <a:ext uri="{FF2B5EF4-FFF2-40B4-BE49-F238E27FC236}">
-                <a16:creationId xmlns:a16="http://schemas.microsoft.com/office/drawing/2014/main" id="{0EF37AB9-30F5-41E6-9478-F4DEF99FA9B7}"/>
-              </a:ext>
-            </a:extLst>
-          </p:cNvPr>
-          <p:cNvSpPr/>
-          <p:nvPr/>
-        </p:nvSpPr>
-        <p:spPr bwMode="white">
-          <a:xfrm flipV="1">
-            <a:off x="722099" y="1277068"/>
-            <a:ext cx="3470764" cy="45719"/>
-          </a:xfrm>
-          <a:custGeom>
-            <a:avLst/>
-            <a:gdLst/>
-            <a:ahLst/>
-            <a:cxnLst/>
-            <a:rect l="l" t="t" r="r" b="b"/>
-            <a:pathLst>
-              <a:path w="3935729">
-                <a:moveTo>
-                  <a:pt x="0" y="0"/>
-                </a:moveTo>
-                <a:lnTo>
-                  <a:pt x="3935349" y="0"/>
-                </a:lnTo>
-              </a:path>
-            </a:pathLst>
-          </a:custGeom>
-          <a:ln w="54863">
-            <a:solidFill>
-              <a:schemeClr val="accent1"/>
-            </a:solidFill>
-          </a:ln>
-        </p:spPr>
-        <p:txBody>
-          <a:bodyPr wrap="square" lIns="0" tIns="0" rIns="0" bIns="0" rtlCol="0"/>
-          <a:lstStyle/>
-          <a:p>
-            <a:endParaRPr lang="en-US" dirty="0"/>
-          </a:p>
-        </p:txBody>
-      </p:sp>
-      <p:pic>
-        <p:nvPicPr>
-          <p:cNvPr id="21" name="Picture 20">
-            <a:extLst>
-              <a:ext uri="{FF2B5EF4-FFF2-40B4-BE49-F238E27FC236}">
-                <a16:creationId xmlns:a16="http://schemas.microsoft.com/office/drawing/2014/main" id="{09EC935B-92B9-4C94-BA11-28206997B50D}"/>
-              </a:ext>
-            </a:extLst>
-          </p:cNvPr>
-          <p:cNvPicPr>
-            <a:picLocks noChangeAspect="1"/>
-          </p:cNvPicPr>
-          <p:nvPr/>
-        </p:nvPicPr>
-        <p:blipFill>
-          <a:blip r:embed="rId2"/>
-          <a:stretch>
-            <a:fillRect/>
-          </a:stretch>
-        </p:blipFill>
-        <p:spPr>
-          <a:xfrm>
-            <a:off x="491320" y="1421503"/>
-            <a:ext cx="3852080" cy="5231960"/>
-          </a:xfrm>
-          <a:prstGeom prst="rect">
-            <a:avLst/>
-          </a:prstGeom>
-        </p:spPr>
-      </p:pic>
-      <p:pic>
-        <p:nvPicPr>
-          <p:cNvPr id="4" name="Picture 3">
-            <a:extLst>
-              <a:ext uri="{FF2B5EF4-FFF2-40B4-BE49-F238E27FC236}">
-                <a16:creationId xmlns:a16="http://schemas.microsoft.com/office/drawing/2014/main" id="{1B421DCC-B031-49B8-A61F-209C57FEA1FC}"/>
-              </a:ext>
-            </a:extLst>
-          </p:cNvPr>
-          <p:cNvPicPr>
-            <a:picLocks noChangeAspect="1"/>
-          </p:cNvPicPr>
-          <p:nvPr/>
-        </p:nvPicPr>
-        <p:blipFill>
-          <a:blip r:embed="rId3"/>
-          <a:stretch>
-            <a:fillRect/>
-          </a:stretch>
-        </p:blipFill>
-        <p:spPr>
-          <a:xfrm>
-            <a:off x="4343400" y="1421502"/>
-            <a:ext cx="4319337" cy="5231960"/>
-          </a:xfrm>
-          <a:prstGeom prst="rect">
-            <a:avLst/>
-          </a:prstGeom>
-        </p:spPr>
-      </p:pic>
-    </p:spTree>
-    <p:extLst>
-      <p:ext uri="{BB962C8B-B14F-4D97-AF65-F5344CB8AC3E}">
-        <p14:creationId xmlns:p14="http://schemas.microsoft.com/office/powerpoint/2010/main" val="1110891383"/>
-      </p:ext>
-    </p:extLst>
-  </p:cSld>
-  <p:clrMapOvr>
-    <a:masterClrMapping/>
-  </p:clrMapOvr>
-</p:sld>
-</file>
-
-<file path=ppt/slides/slide13.xml><?xml version="1.0" encoding="utf-8"?>
 <p:sld xmlns:a="http://schemas.openxmlformats.org/drawingml/2006/main" xmlns:r="http://schemas.openxmlformats.org/officeDocument/2006/relationships" xmlns:p="http://schemas.openxmlformats.org/presentationml/2006/main">
   <p:cSld>
     <p:bg>
@@ -12550,7 +12139,7 @@
             <a:fld id="{EECC7194-A4D0-457B-9D3E-53681723AFF7}" type="slidenum">
               <a:rPr lang="en-US" smtClean="0"/>
               <a:pPr/>
-              <a:t>13</a:t>
+              <a:t>12</a:t>
             </a:fld>
             <a:endParaRPr lang="en-US" dirty="0"/>
           </a:p>
@@ -12734,7 +12323,7 @@
         <p:spPr>
           <a:xfrm>
             <a:off x="7892643" y="5265840"/>
-            <a:ext cx="1530676" cy="1530676"/>
+            <a:ext cx="1530676" cy="1411686"/>
           </a:xfrm>
           <a:prstGeom prst="rect">
             <a:avLst/>
@@ -12745,6 +12334,116 @@
     <p:extLst>
       <p:ext uri="{BB962C8B-B14F-4D97-AF65-F5344CB8AC3E}">
         <p14:creationId xmlns:p14="http://schemas.microsoft.com/office/powerpoint/2010/main" val="618570312"/>
+      </p:ext>
+    </p:extLst>
+  </p:cSld>
+  <p:clrMapOvr>
+    <a:masterClrMapping/>
+  </p:clrMapOvr>
+</p:sld>
+</file>
+
+<file path=ppt/slides/slide13.xml><?xml version="1.0" encoding="utf-8"?>
+<p:sld xmlns:a="http://schemas.openxmlformats.org/drawingml/2006/main" xmlns:r="http://schemas.openxmlformats.org/officeDocument/2006/relationships" xmlns:p="http://schemas.openxmlformats.org/presentationml/2006/main">
+  <p:cSld>
+    <p:spTree>
+      <p:nvGrpSpPr>
+        <p:cNvPr id="1" name=""/>
+        <p:cNvGrpSpPr/>
+        <p:nvPr/>
+      </p:nvGrpSpPr>
+      <p:grpSpPr>
+        <a:xfrm>
+          <a:off x="0" y="0"/>
+          <a:ext cx="0" cy="0"/>
+          <a:chOff x="0" y="0"/>
+          <a:chExt cx="0" cy="0"/>
+        </a:xfrm>
+      </p:grpSpPr>
+      <p:sp>
+        <p:nvSpPr>
+          <p:cNvPr id="2" name="Text Placeholder 1">
+            <a:extLst>
+              <a:ext uri="{FF2B5EF4-FFF2-40B4-BE49-F238E27FC236}">
+                <a16:creationId xmlns:a16="http://schemas.microsoft.com/office/drawing/2014/main" id="{B0B8BA77-6106-4730-8335-251FFE7F94BB}"/>
+              </a:ext>
+            </a:extLst>
+          </p:cNvPr>
+          <p:cNvSpPr>
+            <a:spLocks noGrp="1"/>
+          </p:cNvSpPr>
+          <p:nvPr>
+            <p:ph type="body" sz="quarter" idx="12"/>
+          </p:nvPr>
+        </p:nvSpPr>
+        <p:spPr/>
+        <p:txBody>
+          <a:bodyPr/>
+          <a:lstStyle/>
+          <a:p>
+            <a:endParaRPr lang="en-US" dirty="0"/>
+          </a:p>
+        </p:txBody>
+      </p:sp>
+      <p:sp>
+        <p:nvSpPr>
+          <p:cNvPr id="3" name="Slide Number Placeholder 2">
+            <a:extLst>
+              <a:ext uri="{FF2B5EF4-FFF2-40B4-BE49-F238E27FC236}">
+                <a16:creationId xmlns:a16="http://schemas.microsoft.com/office/drawing/2014/main" id="{726A1643-B3E3-450A-9292-BDBA332EF838}"/>
+              </a:ext>
+            </a:extLst>
+          </p:cNvPr>
+          <p:cNvSpPr>
+            <a:spLocks noGrp="1"/>
+          </p:cNvSpPr>
+          <p:nvPr>
+            <p:ph type="sldNum" sz="quarter" idx="11"/>
+          </p:nvPr>
+        </p:nvSpPr>
+        <p:spPr/>
+        <p:txBody>
+          <a:bodyPr/>
+          <a:lstStyle/>
+          <a:p>
+            <a:fld id="{EECC7194-A4D0-457B-9D3E-53681723AFF7}" type="slidenum">
+              <a:rPr lang="en-US" smtClean="0"/>
+              <a:pPr/>
+              <a:t>13</a:t>
+            </a:fld>
+            <a:endParaRPr lang="en-US" dirty="0"/>
+          </a:p>
+        </p:txBody>
+      </p:sp>
+      <p:sp>
+        <p:nvSpPr>
+          <p:cNvPr id="4" name="Title 3">
+            <a:extLst>
+              <a:ext uri="{FF2B5EF4-FFF2-40B4-BE49-F238E27FC236}">
+                <a16:creationId xmlns:a16="http://schemas.microsoft.com/office/drawing/2014/main" id="{5D2A4AED-7CD7-4256-AAA3-036D115833C6}"/>
+              </a:ext>
+            </a:extLst>
+          </p:cNvPr>
+          <p:cNvSpPr>
+            <a:spLocks noGrp="1"/>
+          </p:cNvSpPr>
+          <p:nvPr>
+            <p:ph type="title"/>
+          </p:nvPr>
+        </p:nvSpPr>
+        <p:spPr/>
+        <p:txBody>
+          <a:bodyPr/>
+          <a:lstStyle/>
+          <a:p>
+            <a:endParaRPr lang="en-US" dirty="0"/>
+          </a:p>
+        </p:txBody>
+      </p:sp>
+    </p:spTree>
+    <p:extLst>
+      <p:ext uri="{BB962C8B-B14F-4D97-AF65-F5344CB8AC3E}">
+        <p14:creationId xmlns:p14="http://schemas.microsoft.com/office/powerpoint/2010/main" val="1924771865"/>
       </p:ext>
     </p:extLst>
   </p:cSld>
@@ -12771,6 +12470,116 @@
           <a:chExt cx="0" cy="0"/>
         </a:xfrm>
       </p:grpSpPr>
+      <p:sp>
+        <p:nvSpPr>
+          <p:cNvPr id="2" name="Text Placeholder 1">
+            <a:extLst>
+              <a:ext uri="{FF2B5EF4-FFF2-40B4-BE49-F238E27FC236}">
+                <a16:creationId xmlns:a16="http://schemas.microsoft.com/office/drawing/2014/main" id="{27E19F12-456B-48CE-8568-8E4DFF9C5D32}"/>
+              </a:ext>
+            </a:extLst>
+          </p:cNvPr>
+          <p:cNvSpPr>
+            <a:spLocks noGrp="1"/>
+          </p:cNvSpPr>
+          <p:nvPr>
+            <p:ph type="body" sz="quarter" idx="12"/>
+          </p:nvPr>
+        </p:nvSpPr>
+        <p:spPr/>
+        <p:txBody>
+          <a:bodyPr/>
+          <a:lstStyle/>
+          <a:p>
+            <a:endParaRPr lang="en-US" dirty="0"/>
+          </a:p>
+        </p:txBody>
+      </p:sp>
+      <p:sp>
+        <p:nvSpPr>
+          <p:cNvPr id="3" name="Slide Number Placeholder 2">
+            <a:extLst>
+              <a:ext uri="{FF2B5EF4-FFF2-40B4-BE49-F238E27FC236}">
+                <a16:creationId xmlns:a16="http://schemas.microsoft.com/office/drawing/2014/main" id="{1FCD68C2-699E-4F1D-AF20-A69F4E03C4D3}"/>
+              </a:ext>
+            </a:extLst>
+          </p:cNvPr>
+          <p:cNvSpPr>
+            <a:spLocks noGrp="1"/>
+          </p:cNvSpPr>
+          <p:nvPr>
+            <p:ph type="sldNum" sz="quarter" idx="11"/>
+          </p:nvPr>
+        </p:nvSpPr>
+        <p:spPr/>
+        <p:txBody>
+          <a:bodyPr/>
+          <a:lstStyle/>
+          <a:p>
+            <a:fld id="{EECC7194-A4D0-457B-9D3E-53681723AFF7}" type="slidenum">
+              <a:rPr lang="en-US" smtClean="0"/>
+              <a:pPr/>
+              <a:t>14</a:t>
+            </a:fld>
+            <a:endParaRPr lang="en-US" dirty="0"/>
+          </a:p>
+        </p:txBody>
+      </p:sp>
+      <p:sp>
+        <p:nvSpPr>
+          <p:cNvPr id="4" name="Title 3">
+            <a:extLst>
+              <a:ext uri="{FF2B5EF4-FFF2-40B4-BE49-F238E27FC236}">
+                <a16:creationId xmlns:a16="http://schemas.microsoft.com/office/drawing/2014/main" id="{9F4B8A80-652F-4F04-8050-4636C98FC696}"/>
+              </a:ext>
+            </a:extLst>
+          </p:cNvPr>
+          <p:cNvSpPr>
+            <a:spLocks noGrp="1"/>
+          </p:cNvSpPr>
+          <p:nvPr>
+            <p:ph type="title"/>
+          </p:nvPr>
+        </p:nvSpPr>
+        <p:spPr/>
+        <p:txBody>
+          <a:bodyPr/>
+          <a:lstStyle/>
+          <a:p>
+            <a:endParaRPr lang="en-US" dirty="0"/>
+          </a:p>
+        </p:txBody>
+      </p:sp>
+    </p:spTree>
+    <p:extLst>
+      <p:ext uri="{BB962C8B-B14F-4D97-AF65-F5344CB8AC3E}">
+        <p14:creationId xmlns:p14="http://schemas.microsoft.com/office/powerpoint/2010/main" val="2242014633"/>
+      </p:ext>
+    </p:extLst>
+  </p:cSld>
+  <p:clrMapOvr>
+    <a:masterClrMapping/>
+  </p:clrMapOvr>
+</p:sld>
+</file>
+
+<file path=ppt/slides/slide15.xml><?xml version="1.0" encoding="utf-8"?>
+<p:sld xmlns:a="http://schemas.openxmlformats.org/drawingml/2006/main" xmlns:r="http://schemas.openxmlformats.org/officeDocument/2006/relationships" xmlns:p="http://schemas.openxmlformats.org/presentationml/2006/main">
+  <p:cSld>
+    <p:spTree>
+      <p:nvGrpSpPr>
+        <p:cNvPr id="1" name=""/>
+        <p:cNvGrpSpPr/>
+        <p:nvPr/>
+      </p:nvGrpSpPr>
+      <p:grpSpPr>
+        <a:xfrm>
+          <a:off x="0" y="0"/>
+          <a:ext cx="0" cy="0"/>
+          <a:chOff x="0" y="0"/>
+          <a:chExt cx="0" cy="0"/>
+        </a:xfrm>
+      </p:grpSpPr>
       <p:pic>
         <p:nvPicPr>
           <p:cNvPr id="10" name="Picture Placeholder 9" descr="Worm view of buildings">
@@ -12919,7 +12728,7 @@
             <a:fld id="{EECC7194-A4D0-457B-9D3E-53681723AFF7}" type="slidenum">
               <a:rPr lang="en-US" smtClean="0"/>
               <a:pPr/>
-              <a:t>14</a:t>
+              <a:t>15</a:t>
             </a:fld>
             <a:endParaRPr lang="en-US" dirty="0"/>
           </a:p>
@@ -12987,8 +12796,8 @@
         </p:nvSpPr>
         <p:spPr>
           <a:xfrm>
-            <a:off x="1160060" y="1797189"/>
-            <a:ext cx="7438030" cy="923330"/>
+            <a:off x="1160059" y="1797189"/>
+            <a:ext cx="8008003" cy="3139321"/>
           </a:xfrm>
           <a:prstGeom prst="rect">
             <a:avLst/>
@@ -13041,6 +12850,101 @@
               </a:rPr>
               <a:t>Allow companies to upload their data to the site to improve accuracy</a:t>
             </a:r>
+          </a:p>
+          <a:p>
+            <a:pPr marL="285750" indent="-285750">
+              <a:buFont typeface="Wingdings" panose="05000000000000000000" pitchFamily="2" charset="2"/>
+              <a:buChar char="q"/>
+            </a:pPr>
+            <a:r>
+              <a:rPr lang="en-US" dirty="0">
+                <a:solidFill>
+                  <a:schemeClr val="bg1"/>
+                </a:solidFill>
+              </a:rPr>
+              <a:t>Limitations of the dataset:</a:t>
+            </a:r>
+          </a:p>
+          <a:p>
+            <a:pPr marL="1200150" lvl="2" indent="-285750">
+              <a:buFont typeface="Wingdings" panose="05000000000000000000" pitchFamily="2" charset="2"/>
+              <a:buChar char="q"/>
+            </a:pPr>
+            <a:r>
+              <a:rPr lang="en-US" dirty="0">
+                <a:solidFill>
+                  <a:schemeClr val="bg1"/>
+                </a:solidFill>
+              </a:rPr>
+              <a:t>Not based on population</a:t>
+            </a:r>
+          </a:p>
+          <a:p>
+            <a:pPr marL="1200150" lvl="2" indent="-285750">
+              <a:buFont typeface="Wingdings" panose="05000000000000000000" pitchFamily="2" charset="2"/>
+              <a:buChar char="q"/>
+            </a:pPr>
+            <a:r>
+              <a:rPr lang="en-US" dirty="0">
+                <a:solidFill>
+                  <a:schemeClr val="bg1"/>
+                </a:solidFill>
+              </a:rPr>
+              <a:t>Issue with BMI indication</a:t>
+            </a:r>
+          </a:p>
+          <a:p>
+            <a:pPr marL="1200150" lvl="2" indent="-285750">
+              <a:buFont typeface="Wingdings" panose="05000000000000000000" pitchFamily="2" charset="2"/>
+              <a:buChar char="q"/>
+            </a:pPr>
+            <a:r>
+              <a:rPr lang="en-US" dirty="0">
+                <a:solidFill>
+                  <a:schemeClr val="bg1"/>
+                </a:solidFill>
+              </a:rPr>
+              <a:t>Small size of data</a:t>
+            </a:r>
+          </a:p>
+          <a:p>
+            <a:pPr marL="1200150" lvl="2" indent="-285750">
+              <a:buFont typeface="Wingdings" panose="05000000000000000000" pitchFamily="2" charset="2"/>
+              <a:buChar char="q"/>
+            </a:pPr>
+            <a:r>
+              <a:rPr lang="en-US" dirty="0">
+                <a:solidFill>
+                  <a:schemeClr val="bg1"/>
+                </a:solidFill>
+              </a:rPr>
+              <a:t>Data not recently collected and not maintained</a:t>
+            </a:r>
+          </a:p>
+          <a:p>
+            <a:pPr lvl="2"/>
+            <a:endParaRPr lang="en-US" dirty="0">
+              <a:solidFill>
+                <a:schemeClr val="bg1"/>
+              </a:solidFill>
+            </a:endParaRPr>
+          </a:p>
+          <a:p>
+            <a:r>
+              <a:rPr lang="en-US" dirty="0">
+                <a:solidFill>
+                  <a:schemeClr val="bg1"/>
+                </a:solidFill>
+              </a:rPr>
+              <a:t>	</a:t>
+            </a:r>
+          </a:p>
+          <a:p>
+            <a:endParaRPr lang="en-US" dirty="0">
+              <a:solidFill>
+                <a:schemeClr val="bg1"/>
+              </a:solidFill>
+            </a:endParaRPr>
           </a:p>
         </p:txBody>
       </p:sp>
@@ -13057,7 +12961,7 @@
 </p:sld>
 </file>
 
-<file path=ppt/slides/slide15.xml><?xml version="1.0" encoding="utf-8"?>
+<file path=ppt/slides/slide16.xml><?xml version="1.0" encoding="utf-8"?>
 <p:sld xmlns:a="http://schemas.openxmlformats.org/drawingml/2006/main" xmlns:r="http://schemas.openxmlformats.org/officeDocument/2006/relationships" xmlns:p="http://schemas.openxmlformats.org/presentationml/2006/main">
   <p:cSld>
     <p:spTree>
@@ -14102,8 +14006,8 @@
         </p:nvSpPr>
         <p:spPr>
           <a:xfrm>
-            <a:off x="907857" y="1543876"/>
-            <a:ext cx="6903253" cy="3172156"/>
+            <a:off x="842211" y="1543876"/>
+            <a:ext cx="6968899" cy="3172156"/>
           </a:xfrm>
           <a:gradFill>
             <a:gsLst>
@@ -14159,14 +14063,14 @@
           <a:lstStyle/>
           <a:p>
             <a:r>
-              <a:rPr lang="en-US" dirty="0"/>
+              <a:rPr lang="en-US" sz="3200" dirty="0"/>
               <a:t>OUR BIG </a:t>
             </a:r>
             <a:br>
-              <a:rPr lang="en-US" dirty="0"/>
+              <a:rPr lang="en-US" sz="3200" dirty="0"/>
             </a:br>
             <a:r>
-              <a:rPr lang="en-US" dirty="0"/>
+              <a:rPr lang="en-US" sz="3200" dirty="0"/>
               <a:t>IDEA</a:t>
             </a:r>
           </a:p>
@@ -17018,8 +16922,8 @@
         </p:nvSpPr>
         <p:spPr>
           <a:xfrm>
-            <a:off x="737572" y="1443609"/>
-            <a:ext cx="7559675" cy="973142"/>
+            <a:off x="722099" y="1462390"/>
+            <a:ext cx="8000796" cy="608544"/>
           </a:xfrm>
         </p:spPr>
         <p:txBody>
@@ -17027,17 +16931,17 @@
           <a:lstStyle/>
           <a:p>
             <a:r>
-              <a:rPr lang="en-US" dirty="0"/>
+              <a:rPr lang="en-US" b="1" dirty="0"/>
               <a:t>Data Source : Medical Cost Personal Dataset from Kaggle</a:t>
             </a:r>
           </a:p>
           <a:p>
             <a:r>
-              <a:rPr lang="en-US" dirty="0"/>
+              <a:rPr lang="en-US" b="1" dirty="0"/>
               <a:t>(</a:t>
             </a:r>
             <a:r>
-              <a:rPr lang="en-US" dirty="0">
+              <a:rPr lang="en-US" b="1" dirty="0">
                 <a:hlinkClick r:id="rId2">
                   <a:extLst>
                     <a:ext uri="{A12FA001-AC4F-418D-AE19-62706E023703}">
@@ -17049,7 +16953,7 @@
               <a:t>https://www.kaggle.com/mirichoi0218/insurance</a:t>
             </a:r>
             <a:r>
-              <a:rPr lang="en-US" dirty="0"/>
+              <a:rPr lang="en-US" b="1" dirty="0"/>
               <a:t>)</a:t>
             </a:r>
           </a:p>
@@ -17370,7 +17274,7 @@
         <p:spPr>
           <a:xfrm>
             <a:off x="532262" y="4735773"/>
-            <a:ext cx="9498842" cy="2739211"/>
+            <a:ext cx="9498842" cy="2123658"/>
           </a:xfrm>
           <a:prstGeom prst="rect">
             <a:avLst/>
@@ -17395,7 +17299,7 @@
                   </a:schemeClr>
                 </a:solidFill>
               </a:rPr>
-              <a:t>Exploratory Data Analysis - Pandas / Jupyter Notebook</a:t>
+              <a:t>Exploratory Data Analysis </a:t>
             </a:r>
           </a:p>
           <a:p>
@@ -17411,39 +17315,7 @@
                   </a:schemeClr>
                 </a:solidFill>
               </a:rPr>
-              <a:t>Visualizations – Matplotlib and Tableau</a:t>
-            </a:r>
-          </a:p>
-          <a:p>
-            <a:pPr marL="285750" indent="-285750">
-              <a:buFont typeface="Wingdings" panose="05000000000000000000" pitchFamily="2" charset="2"/>
-              <a:buChar char="§"/>
-            </a:pPr>
-            <a:r>
-              <a:rPr lang="en-US" sz="2000" b="1" dirty="0">
-                <a:solidFill>
-                  <a:schemeClr val="bg2">
-                    <a:lumMod val="75000"/>
-                  </a:schemeClr>
-                </a:solidFill>
-              </a:rPr>
               <a:t>Regression Modeling</a:t>
-            </a:r>
-          </a:p>
-          <a:p>
-            <a:pPr marL="285750" indent="-285750">
-              <a:buFont typeface="Wingdings" panose="05000000000000000000" pitchFamily="2" charset="2"/>
-              <a:buChar char="§"/>
-            </a:pPr>
-            <a:r>
-              <a:rPr lang="en-US" sz="2000" b="1" dirty="0">
-                <a:solidFill>
-                  <a:schemeClr val="bg2">
-                    <a:lumMod val="75000"/>
-                  </a:schemeClr>
-                </a:solidFill>
-              </a:rPr>
-              <a:t>Development of the Website</a:t>
             </a:r>
           </a:p>
           <a:p>
@@ -17543,7 +17415,7 @@
         </p:blipFill>
         <p:spPr bwMode="auto">
           <a:xfrm>
-            <a:off x="5632678" y="3501722"/>
+            <a:off x="5644889" y="3429000"/>
             <a:ext cx="2206305" cy="783185"/>
           </a:xfrm>
           <a:prstGeom prst="rect">
@@ -17583,8 +17455,8 @@
         </p:blipFill>
         <p:spPr>
           <a:xfrm>
-            <a:off x="8939898" y="3484085"/>
-            <a:ext cx="1275583" cy="835407"/>
+            <a:off x="8192288" y="3410186"/>
+            <a:ext cx="1275583" cy="802000"/>
           </a:xfrm>
           <a:prstGeom prst="rect">
             <a:avLst/>
@@ -17613,12 +17485,59 @@
         </p:blipFill>
         <p:spPr>
           <a:xfrm>
-            <a:off x="2307452" y="3320556"/>
+            <a:off x="1676425" y="3231698"/>
             <a:ext cx="2572735" cy="1340180"/>
           </a:xfrm>
           <a:prstGeom prst="rect">
             <a:avLst/>
           </a:prstGeom>
+        </p:spPr>
+      </p:pic>
+      <p:pic>
+        <p:nvPicPr>
+          <p:cNvPr id="13" name="Picture 4" descr="Jinja2-icon | Brands JA - JZ">
+            <a:extLst>
+              <a:ext uri="{FF2B5EF4-FFF2-40B4-BE49-F238E27FC236}">
+                <a16:creationId xmlns:a16="http://schemas.microsoft.com/office/drawing/2014/main" id="{506A060D-905F-45A7-A7C8-4CEAA936338A}"/>
+              </a:ext>
+            </a:extLst>
+          </p:cNvPr>
+          <p:cNvPicPr>
+            <a:picLocks noChangeAspect="1" noChangeArrowheads="1"/>
+          </p:cNvPicPr>
+          <p:nvPr/>
+        </p:nvPicPr>
+        <p:blipFill>
+          <a:blip r:embed="rId13">
+            <a:extLst>
+              <a:ext uri="{28A0092B-C50C-407E-A947-70E740481C1C}">
+                <a14:useLocalDpi xmlns:a14="http://schemas.microsoft.com/office/drawing/2010/main" val="0"/>
+              </a:ext>
+            </a:extLst>
+          </a:blip>
+          <a:srcRect/>
+          <a:stretch>
+            <a:fillRect/>
+          </a:stretch>
+        </p:blipFill>
+        <p:spPr bwMode="auto">
+          <a:xfrm>
+            <a:off x="4236949" y="3410185"/>
+            <a:ext cx="983206" cy="783185"/>
+          </a:xfrm>
+          <a:prstGeom prst="rect">
+            <a:avLst/>
+          </a:prstGeom>
+          <a:noFill/>
+          <a:extLst>
+            <a:ext uri="{909E8E84-426E-40DD-AFC4-6F175D3DCCD1}">
+              <a14:hiddenFill xmlns:a14="http://schemas.microsoft.com/office/drawing/2010/main">
+                <a:solidFill>
+                  <a:srgbClr val="FFFFFF"/>
+                </a:solidFill>
+              </a14:hiddenFill>
+            </a:ext>
+          </a:extLst>
         </p:spPr>
       </p:pic>
     </p:spTree>
@@ -17699,7 +17618,7 @@
         </p:nvSpPr>
         <p:spPr>
           <a:xfrm>
-            <a:off x="180000" y="179109"/>
+            <a:off x="180000" y="172039"/>
             <a:ext cx="11832000" cy="6513922"/>
           </a:xfrm>
           <a:prstGeom prst="rect">
@@ -17735,7 +17654,33 @@
           <a:lstStyle/>
           <a:p>
             <a:pPr algn="ctr"/>
-            <a:endParaRPr lang="en-US" dirty="0"/>
+            <a:endParaRPr lang="en-US" dirty="0">
+              <a:latin typeface="+mj-lt"/>
+            </a:endParaRPr>
+          </a:p>
+          <a:p>
+            <a:pPr marL="285750" indent="-285750" algn="ctr">
+              <a:buFont typeface="Wingdings" panose="05000000000000000000" pitchFamily="2" charset="2"/>
+              <a:buChar char="q"/>
+            </a:pPr>
+            <a:endParaRPr lang="en-US" dirty="0">
+              <a:latin typeface="+mj-lt"/>
+            </a:endParaRPr>
+          </a:p>
+          <a:p>
+            <a:pPr marL="285750" indent="-285750" algn="ctr">
+              <a:buFont typeface="Wingdings" panose="05000000000000000000" pitchFamily="2" charset="2"/>
+              <a:buChar char="q"/>
+            </a:pPr>
+            <a:endParaRPr lang="en-US" dirty="0">
+              <a:latin typeface="+mj-lt"/>
+            </a:endParaRPr>
+          </a:p>
+          <a:p>
+            <a:pPr algn="ctr"/>
+            <a:endParaRPr lang="en-US" dirty="0">
+              <a:latin typeface="+mj-lt"/>
+            </a:endParaRPr>
           </a:p>
         </p:txBody>
       </p:sp>
@@ -17802,104 +17747,6 @@
           </a:p>
         </p:txBody>
       </p:sp>
-      <p:cxnSp>
-        <p:nvCxnSpPr>
-          <p:cNvPr id="43" name="Straight Connector 42">
-            <a:extLst>
-              <a:ext uri="{FF2B5EF4-FFF2-40B4-BE49-F238E27FC236}">
-                <a16:creationId xmlns:a16="http://schemas.microsoft.com/office/drawing/2014/main" id="{D14DCD19-05BE-4D3F-A9E1-A9353D50950B}"/>
-              </a:ext>
-              <a:ext uri="{C183D7F6-B498-43B3-948B-1728B52AA6E4}">
-                <adec:decorative xmlns:adec="http://schemas.microsoft.com/office/drawing/2017/decorative" val="1"/>
-              </a:ext>
-            </a:extLst>
-          </p:cNvPr>
-          <p:cNvCxnSpPr>
-            <a:cxnSpLocks/>
-          </p:cNvCxnSpPr>
-          <p:nvPr/>
-        </p:nvCxnSpPr>
-        <p:spPr>
-          <a:xfrm>
-            <a:off x="4458121" y="2630172"/>
-            <a:ext cx="0" cy="969367"/>
-          </a:xfrm>
-          <a:prstGeom prst="line">
-            <a:avLst/>
-          </a:prstGeom>
-          <a:ln w="3175">
-            <a:solidFill>
-              <a:schemeClr val="bg1">
-                <a:lumMod val="95000"/>
-                <a:alpha val="20000"/>
-              </a:schemeClr>
-            </a:solidFill>
-          </a:ln>
-        </p:spPr>
-        <p:style>
-          <a:lnRef idx="1">
-            <a:schemeClr val="accent1"/>
-          </a:lnRef>
-          <a:fillRef idx="0">
-            <a:schemeClr val="accent1"/>
-          </a:fillRef>
-          <a:effectRef idx="0">
-            <a:schemeClr val="accent1"/>
-          </a:effectRef>
-          <a:fontRef idx="minor">
-            <a:schemeClr val="tx1"/>
-          </a:fontRef>
-        </p:style>
-      </p:cxnSp>
-      <p:cxnSp>
-        <p:nvCxnSpPr>
-          <p:cNvPr id="45" name="Straight Connector 44">
-            <a:extLst>
-              <a:ext uri="{FF2B5EF4-FFF2-40B4-BE49-F238E27FC236}">
-                <a16:creationId xmlns:a16="http://schemas.microsoft.com/office/drawing/2014/main" id="{19527B99-C015-4364-A9D0-E9EF5F8CC859}"/>
-              </a:ext>
-              <a:ext uri="{C183D7F6-B498-43B3-948B-1728B52AA6E4}">
-                <adec:decorative xmlns:adec="http://schemas.microsoft.com/office/drawing/2017/decorative" val="1"/>
-              </a:ext>
-            </a:extLst>
-          </p:cNvPr>
-          <p:cNvCxnSpPr>
-            <a:cxnSpLocks/>
-          </p:cNvCxnSpPr>
-          <p:nvPr/>
-        </p:nvCxnSpPr>
-        <p:spPr>
-          <a:xfrm>
-            <a:off x="8019527" y="2630172"/>
-            <a:ext cx="0" cy="969367"/>
-          </a:xfrm>
-          <a:prstGeom prst="line">
-            <a:avLst/>
-          </a:prstGeom>
-          <a:ln w="3175">
-            <a:solidFill>
-              <a:schemeClr val="bg1">
-                <a:lumMod val="95000"/>
-                <a:alpha val="20000"/>
-              </a:schemeClr>
-            </a:solidFill>
-          </a:ln>
-        </p:spPr>
-        <p:style>
-          <a:lnRef idx="1">
-            <a:schemeClr val="accent1"/>
-          </a:lnRef>
-          <a:fillRef idx="0">
-            <a:schemeClr val="accent1"/>
-          </a:fillRef>
-          <a:effectRef idx="0">
-            <a:schemeClr val="accent1"/>
-          </a:effectRef>
-          <a:fontRef idx="minor">
-            <a:schemeClr val="tx1"/>
-          </a:fontRef>
-        </p:style>
-      </p:cxnSp>
       <p:sp>
         <p:nvSpPr>
           <p:cNvPr id="67" name="object 7" descr="Beige rectangle">
@@ -17948,61 +17795,75 @@
           </a:p>
         </p:txBody>
       </p:sp>
-      <p:cxnSp>
-        <p:nvCxnSpPr>
-          <p:cNvPr id="44" name="Straight Connector 43">
-            <a:extLst>
-              <a:ext uri="{FF2B5EF4-FFF2-40B4-BE49-F238E27FC236}">
-                <a16:creationId xmlns:a16="http://schemas.microsoft.com/office/drawing/2014/main" id="{E2EAB4BE-ED20-4BB8-A23B-B02A1115A828}"/>
-              </a:ext>
-              <a:ext uri="{C183D7F6-B498-43B3-948B-1728B52AA6E4}">
-                <adec:decorative xmlns:adec="http://schemas.microsoft.com/office/drawing/2017/decorative" val="1"/>
-              </a:ext>
-            </a:extLst>
-          </p:cNvPr>
-          <p:cNvCxnSpPr>
-            <a:cxnSpLocks/>
-          </p:cNvCxnSpPr>
+      <p:sp>
+        <p:nvSpPr>
+          <p:cNvPr id="2" name="TextBox 1">
+            <a:extLst>
+              <a:ext uri="{FF2B5EF4-FFF2-40B4-BE49-F238E27FC236}">
+                <a16:creationId xmlns:a16="http://schemas.microsoft.com/office/drawing/2014/main" id="{084A7E88-BE23-4685-A171-6AE71A16EC51}"/>
+              </a:ext>
+            </a:extLst>
+          </p:cNvPr>
+          <p:cNvSpPr txBox="1"/>
           <p:nvPr/>
-        </p:nvCxnSpPr>
-        <p:spPr>
-          <a:xfrm>
-            <a:off x="4458121" y="4752270"/>
-            <a:ext cx="0" cy="969367"/>
-          </a:xfrm>
-          <a:prstGeom prst="line">
+        </p:nvSpPr>
+        <p:spPr>
+          <a:xfrm>
+            <a:off x="379212" y="1494510"/>
+            <a:ext cx="5394724" cy="1323439"/>
+          </a:xfrm>
+          <a:prstGeom prst="rect">
             <a:avLst/>
           </a:prstGeom>
-          <a:ln w="3175">
-            <a:solidFill>
-              <a:schemeClr val="bg1">
-                <a:lumMod val="95000"/>
-                <a:alpha val="20000"/>
-              </a:schemeClr>
-            </a:solidFill>
-          </a:ln>
-        </p:spPr>
-        <p:style>
-          <a:lnRef idx="1">
-            <a:schemeClr val="accent1"/>
-          </a:lnRef>
-          <a:fillRef idx="0">
-            <a:schemeClr val="accent1"/>
-          </a:fillRef>
-          <a:effectRef idx="0">
-            <a:schemeClr val="accent1"/>
-          </a:effectRef>
-          <a:fontRef idx="minor">
-            <a:schemeClr val="tx1"/>
-          </a:fontRef>
-        </p:style>
-      </p:cxnSp>
+          <a:noFill/>
+        </p:spPr>
+        <p:txBody>
+          <a:bodyPr wrap="square" rtlCol="0">
+            <a:spAutoFit/>
+          </a:bodyPr>
+          <a:lstStyle/>
+          <a:p>
+            <a:pPr marL="285750" indent="-285750">
+              <a:buFont typeface="Wingdings" panose="05000000000000000000" pitchFamily="2" charset="2"/>
+              <a:buChar char="q"/>
+            </a:pPr>
+            <a:r>
+              <a:rPr lang="en-US" sz="2000" dirty="0">
+                <a:solidFill>
+                  <a:schemeClr val="bg1">
+                    <a:lumMod val="95000"/>
+                  </a:schemeClr>
+                </a:solidFill>
+                <a:latin typeface="+mj-lt"/>
+              </a:rPr>
+              <a:t>The data has a high concentration of charges under $10,000</a:t>
+            </a:r>
+          </a:p>
+          <a:p>
+            <a:pPr marL="285750" indent="-285750">
+              <a:buFont typeface="Wingdings" panose="05000000000000000000" pitchFamily="2" charset="2"/>
+              <a:buChar char="q"/>
+            </a:pPr>
+            <a:r>
+              <a:rPr lang="en-US" sz="2000" dirty="0">
+                <a:solidFill>
+                  <a:schemeClr val="bg1">
+                    <a:lumMod val="95000"/>
+                  </a:schemeClr>
+                </a:solidFill>
+                <a:latin typeface="+mj-lt"/>
+              </a:rPr>
+              <a:t>Charges, according to the data,  do range as high as $50,000</a:t>
+            </a:r>
+          </a:p>
+        </p:txBody>
+      </p:sp>
       <p:pic>
         <p:nvPicPr>
-          <p:cNvPr id="48" name="Picture 47">
-            <a:extLst>
-              <a:ext uri="{FF2B5EF4-FFF2-40B4-BE49-F238E27FC236}">
-                <a16:creationId xmlns:a16="http://schemas.microsoft.com/office/drawing/2014/main" id="{976BB9B6-DCCE-4393-99F7-2D585D85AE2C}"/>
+          <p:cNvPr id="5" name="Picture 4">
+            <a:extLst>
+              <a:ext uri="{FF2B5EF4-FFF2-40B4-BE49-F238E27FC236}">
+                <a16:creationId xmlns:a16="http://schemas.microsoft.com/office/drawing/2014/main" id="{15C55B3A-8A73-4C31-9BC4-2D26EE292C1E}"/>
               </a:ext>
             </a:extLst>
           </p:cNvPr>
@@ -18012,17 +17873,15 @@
           <p:nvPr/>
         </p:nvPicPr>
         <p:blipFill>
-          <a:blip r:embed="rId3">
-            <a:grayscl/>
-          </a:blip>
+          <a:blip r:embed="rId3"/>
           <a:stretch>
             <a:fillRect/>
           </a:stretch>
         </p:blipFill>
         <p:spPr>
           <a:xfrm>
-            <a:off x="345762" y="3429000"/>
-            <a:ext cx="4276176" cy="3083238"/>
+            <a:off x="6201822" y="1224070"/>
+            <a:ext cx="5644415" cy="3420057"/>
           </a:xfrm>
           <a:prstGeom prst="rect">
             <a:avLst/>
@@ -18031,10 +17890,10 @@
       </p:pic>
       <p:pic>
         <p:nvPicPr>
-          <p:cNvPr id="52" name="Picture 51">
-            <a:extLst>
-              <a:ext uri="{FF2B5EF4-FFF2-40B4-BE49-F238E27FC236}">
-                <a16:creationId xmlns:a16="http://schemas.microsoft.com/office/drawing/2014/main" id="{95070257-40DA-4172-B357-2BBC9B55C34C}"/>
+          <p:cNvPr id="6" name="Picture 5">
+            <a:extLst>
+              <a:ext uri="{FF2B5EF4-FFF2-40B4-BE49-F238E27FC236}">
+                <a16:creationId xmlns:a16="http://schemas.microsoft.com/office/drawing/2014/main" id="{4911F5FD-A846-44DB-9591-92A53A3D99A6}"/>
               </a:ext>
             </a:extLst>
           </p:cNvPr>
@@ -18051,44 +17910,73 @@
         </p:blipFill>
         <p:spPr>
           <a:xfrm>
-            <a:off x="7123794" y="3429000"/>
-            <a:ext cx="4451970" cy="3105763"/>
+            <a:off x="379212" y="3086596"/>
+            <a:ext cx="5644415" cy="3465776"/>
           </a:xfrm>
           <a:prstGeom prst="rect">
             <a:avLst/>
           </a:prstGeom>
         </p:spPr>
       </p:pic>
-      <p:pic>
-        <p:nvPicPr>
-          <p:cNvPr id="61" name="Picture 60">
-            <a:extLst>
-              <a:ext uri="{FF2B5EF4-FFF2-40B4-BE49-F238E27FC236}">
-                <a16:creationId xmlns:a16="http://schemas.microsoft.com/office/drawing/2014/main" id="{A768568E-2541-48EA-9DA7-E3C31F69374E}"/>
-              </a:ext>
-            </a:extLst>
-          </p:cNvPr>
-          <p:cNvPicPr>
-            <a:picLocks noChangeAspect="1"/>
-          </p:cNvPicPr>
+      <p:sp>
+        <p:nvSpPr>
+          <p:cNvPr id="7" name="TextBox 6">
+            <a:extLst>
+              <a:ext uri="{FF2B5EF4-FFF2-40B4-BE49-F238E27FC236}">
+                <a16:creationId xmlns:a16="http://schemas.microsoft.com/office/drawing/2014/main" id="{39A47610-A6F4-4B8B-90D1-5DEB67C0F9E6}"/>
+              </a:ext>
+            </a:extLst>
+          </p:cNvPr>
+          <p:cNvSpPr txBox="1"/>
           <p:nvPr/>
-        </p:nvPicPr>
-        <p:blipFill>
-          <a:blip r:embed="rId5"/>
-          <a:stretch>
-            <a:fillRect/>
-          </a:stretch>
-        </p:blipFill>
-        <p:spPr>
-          <a:xfrm>
-            <a:off x="3354837" y="1396516"/>
-            <a:ext cx="4637352" cy="2670515"/>
+        </p:nvSpPr>
+        <p:spPr>
+          <a:xfrm>
+            <a:off x="6222839" y="4907280"/>
+            <a:ext cx="5352925" cy="1323439"/>
           </a:xfrm>
           <a:prstGeom prst="rect">
             <a:avLst/>
           </a:prstGeom>
-        </p:spPr>
-      </p:pic>
+          <a:noFill/>
+        </p:spPr>
+        <p:txBody>
+          <a:bodyPr wrap="square" rtlCol="0">
+            <a:spAutoFit/>
+          </a:bodyPr>
+          <a:lstStyle/>
+          <a:p>
+            <a:pPr marL="285750" indent="-285750">
+              <a:buFont typeface="Wingdings" panose="05000000000000000000" pitchFamily="2" charset="2"/>
+              <a:buChar char="q"/>
+            </a:pPr>
+            <a:r>
+              <a:rPr lang="en-US" sz="2000" dirty="0">
+                <a:solidFill>
+                  <a:schemeClr val="bg1"/>
+                </a:solidFill>
+                <a:latin typeface="+mj-lt"/>
+              </a:rPr>
+              <a:t>The strongest correlation to charges among all variables is smoker vs. non-smoker</a:t>
+            </a:r>
+          </a:p>
+          <a:p>
+            <a:pPr marL="285750" indent="-285750">
+              <a:buFont typeface="Wingdings" panose="05000000000000000000" pitchFamily="2" charset="2"/>
+              <a:buChar char="q"/>
+            </a:pPr>
+            <a:r>
+              <a:rPr lang="en-US" sz="2000" dirty="0">
+                <a:solidFill>
+                  <a:schemeClr val="bg1"/>
+                </a:solidFill>
+                <a:latin typeface="+mj-lt"/>
+              </a:rPr>
+              <a:t>The number of children is more closely correlated to charges then age</a:t>
+            </a:r>
+          </a:p>
+        </p:txBody>
+      </p:sp>
     </p:spTree>
     <p:extLst>
       <p:ext uri="{BB962C8B-B14F-4D97-AF65-F5344CB8AC3E}">
@@ -18119,12 +18007,126 @@
           <a:chExt cx="0" cy="0"/>
         </a:xfrm>
       </p:grpSpPr>
-      <p:sp>
-        <p:nvSpPr>
-          <p:cNvPr id="15" name="Title 14">
-            <a:extLst>
-              <a:ext uri="{FF2B5EF4-FFF2-40B4-BE49-F238E27FC236}">
-                <a16:creationId xmlns:a16="http://schemas.microsoft.com/office/drawing/2014/main" id="{11123242-1802-4890-85C8-48524FEB9010}"/>
+      <p:pic>
+        <p:nvPicPr>
+          <p:cNvPr id="18" name="Picture Placeholder 17" descr="Doctor standing in front of a computer&#10;">
+            <a:extLst>
+              <a:ext uri="{FF2B5EF4-FFF2-40B4-BE49-F238E27FC236}">
+                <a16:creationId xmlns:a16="http://schemas.microsoft.com/office/drawing/2014/main" id="{D4AB4507-F77A-44A5-B290-3F3D4817B7BD}"/>
+              </a:ext>
+            </a:extLst>
+          </p:cNvPr>
+          <p:cNvPicPr>
+            <a:picLocks noGrp="1" noChangeAspect="1"/>
+          </p:cNvPicPr>
+          <p:nvPr>
+            <p:ph type="pic" sz="quarter" idx="12"/>
+          </p:nvPr>
+        </p:nvPicPr>
+        <p:blipFill>
+          <a:blip r:embed="rId2" cstate="screen">
+            <a:extLst>
+              <a:ext uri="{28A0092B-C50C-407E-A947-70E740481C1C}">
+                <a14:useLocalDpi xmlns:a14="http://schemas.microsoft.com/office/drawing/2010/main"/>
+              </a:ext>
+            </a:extLst>
+          </a:blip>
+          <a:srcRect/>
+          <a:stretch>
+            <a:fillRect/>
+          </a:stretch>
+        </p:blipFill>
+        <p:spPr/>
+      </p:pic>
+      <p:sp>
+        <p:nvSpPr>
+          <p:cNvPr id="19" name="Rectangle 18">
+            <a:extLst>
+              <a:ext uri="{FF2B5EF4-FFF2-40B4-BE49-F238E27FC236}">
+                <a16:creationId xmlns:a16="http://schemas.microsoft.com/office/drawing/2014/main" id="{A4592135-A11E-4178-A320-510C4B7492A3}"/>
+              </a:ext>
+              <a:ext uri="{C183D7F6-B498-43B3-948B-1728B52AA6E4}">
+                <adec:decorative xmlns:adec="http://schemas.microsoft.com/office/drawing/2017/decorative" val="1"/>
+              </a:ext>
+            </a:extLst>
+          </p:cNvPr>
+          <p:cNvSpPr/>
+          <p:nvPr/>
+        </p:nvSpPr>
+        <p:spPr>
+          <a:xfrm>
+            <a:off x="180000" y="164969"/>
+            <a:ext cx="11832000" cy="6513922"/>
+          </a:xfrm>
+          <a:prstGeom prst="rect">
+            <a:avLst/>
+          </a:prstGeom>
+          <a:solidFill>
+            <a:schemeClr val="tx2">
+              <a:alpha val="90000"/>
+            </a:schemeClr>
+          </a:solidFill>
+          <a:ln>
+            <a:noFill/>
+          </a:ln>
+        </p:spPr>
+        <p:style>
+          <a:lnRef idx="2">
+            <a:schemeClr val="accent1">
+              <a:shade val="50000"/>
+            </a:schemeClr>
+          </a:lnRef>
+          <a:fillRef idx="1">
+            <a:schemeClr val="accent1"/>
+          </a:fillRef>
+          <a:effectRef idx="0">
+            <a:schemeClr val="accent1"/>
+          </a:effectRef>
+          <a:fontRef idx="minor">
+            <a:schemeClr val="lt1"/>
+          </a:fontRef>
+        </p:style>
+        <p:txBody>
+          <a:bodyPr rtlCol="0" anchor="ctr"/>
+          <a:lstStyle/>
+          <a:p>
+            <a:pPr algn="ctr"/>
+            <a:endParaRPr lang="en-US" dirty="0">
+              <a:latin typeface="+mj-lt"/>
+            </a:endParaRPr>
+          </a:p>
+          <a:p>
+            <a:pPr marL="285750" indent="-285750" algn="ctr">
+              <a:buFont typeface="Wingdings" panose="05000000000000000000" pitchFamily="2" charset="2"/>
+              <a:buChar char="q"/>
+            </a:pPr>
+            <a:endParaRPr lang="en-US" dirty="0">
+              <a:latin typeface="+mj-lt"/>
+            </a:endParaRPr>
+          </a:p>
+          <a:p>
+            <a:pPr marL="285750" indent="-285750" algn="ctr">
+              <a:buFont typeface="Wingdings" panose="05000000000000000000" pitchFamily="2" charset="2"/>
+              <a:buChar char="q"/>
+            </a:pPr>
+            <a:endParaRPr lang="en-US" dirty="0">
+              <a:latin typeface="+mj-lt"/>
+            </a:endParaRPr>
+          </a:p>
+          <a:p>
+            <a:pPr algn="ctr"/>
+            <a:endParaRPr lang="en-US" dirty="0">
+              <a:latin typeface="+mj-lt"/>
+            </a:endParaRPr>
+          </a:p>
+        </p:txBody>
+      </p:sp>
+      <p:sp>
+        <p:nvSpPr>
+          <p:cNvPr id="3" name="Title 2">
+            <a:extLst>
+              <a:ext uri="{FF2B5EF4-FFF2-40B4-BE49-F238E27FC236}">
+                <a16:creationId xmlns:a16="http://schemas.microsoft.com/office/drawing/2014/main" id="{1C499D5A-91D2-45BF-B204-6FDFFE97FFA9}"/>
               </a:ext>
             </a:extLst>
           </p:cNvPr>
@@ -18135,14 +18137,19 @@
             <p:ph type="title"/>
           </p:nvPr>
         </p:nvSpPr>
-        <p:spPr/>
+        <p:spPr>
+          <a:xfrm>
+            <a:off x="683999" y="808186"/>
+            <a:ext cx="9087795" cy="370166"/>
+          </a:xfrm>
+        </p:spPr>
         <p:txBody>
           <a:bodyPr/>
           <a:lstStyle/>
           <a:p>
             <a:r>
               <a:rPr lang="en-US" dirty="0"/>
-              <a:t>  Visualizations </a:t>
+              <a:t>exploratory data  analysis</a:t>
             </a:r>
           </a:p>
         </p:txBody>
@@ -18152,7 +18159,7 @@
           <p:cNvPr id="4" name="Slide Number Placeholder 3">
             <a:extLst>
               <a:ext uri="{FF2B5EF4-FFF2-40B4-BE49-F238E27FC236}">
-                <a16:creationId xmlns:a16="http://schemas.microsoft.com/office/drawing/2014/main" id="{65A32E52-1B70-4F84-B381-E9D9871504C5}"/>
+                <a16:creationId xmlns:a16="http://schemas.microsoft.com/office/drawing/2014/main" id="{98F61CED-575A-4A61-B181-A44246132635}"/>
               </a:ext>
             </a:extLst>
           </p:cNvPr>
@@ -18179,10 +18186,10 @@
       </p:sp>
       <p:sp>
         <p:nvSpPr>
-          <p:cNvPr id="30" name="object 7" descr="Beige rectangle">
-            <a:extLst>
-              <a:ext uri="{FF2B5EF4-FFF2-40B4-BE49-F238E27FC236}">
-                <a16:creationId xmlns:a16="http://schemas.microsoft.com/office/drawing/2014/main" id="{1E04C292-AE6A-4666-9EA6-9D87F84CB793}"/>
+          <p:cNvPr id="67" name="object 7" descr="Beige rectangle">
+            <a:extLst>
+              <a:ext uri="{FF2B5EF4-FFF2-40B4-BE49-F238E27FC236}">
+                <a16:creationId xmlns:a16="http://schemas.microsoft.com/office/drawing/2014/main" id="{6167A703-9B37-469C-853D-0CB6C1F4D8F0}"/>
               </a:ext>
             </a:extLst>
           </p:cNvPr>
@@ -18192,7 +18199,7 @@
         <p:spPr bwMode="white">
           <a:xfrm flipV="1">
             <a:off x="722099" y="1277068"/>
-            <a:ext cx="3470764" cy="45719"/>
+            <a:ext cx="2812282" cy="45719"/>
           </a:xfrm>
           <a:custGeom>
             <a:avLst/>
@@ -18225,153 +18232,148 @@
           </a:p>
         </p:txBody>
       </p:sp>
-      <p:pic>
-        <p:nvPicPr>
-          <p:cNvPr id="3074" name="Picture 2">
-            <a:extLst>
-              <a:ext uri="{FF2B5EF4-FFF2-40B4-BE49-F238E27FC236}">
-                <a16:creationId xmlns:a16="http://schemas.microsoft.com/office/drawing/2014/main" id="{46BFC354-5003-4A31-B1A9-026D968B7740}"/>
-              </a:ext>
-            </a:extLst>
-          </p:cNvPr>
-          <p:cNvPicPr>
-            <a:picLocks noChangeAspect="1" noChangeArrowheads="1"/>
-          </p:cNvPicPr>
+      <p:sp>
+        <p:nvSpPr>
+          <p:cNvPr id="2" name="TextBox 1">
+            <a:extLst>
+              <a:ext uri="{FF2B5EF4-FFF2-40B4-BE49-F238E27FC236}">
+                <a16:creationId xmlns:a16="http://schemas.microsoft.com/office/drawing/2014/main" id="{084A7E88-BE23-4685-A171-6AE71A16EC51}"/>
+              </a:ext>
+            </a:extLst>
+          </p:cNvPr>
+          <p:cNvSpPr txBox="1"/>
           <p:nvPr/>
-        </p:nvPicPr>
-        <p:blipFill>
-          <a:blip r:embed="rId2">
-            <a:extLst>
-              <a:ext uri="{28A0092B-C50C-407E-A947-70E740481C1C}">
-                <a14:useLocalDpi xmlns:a14="http://schemas.microsoft.com/office/drawing/2010/main" val="0"/>
-              </a:ext>
-            </a:extLst>
-          </a:blip>
-          <a:srcRect/>
-          <a:stretch>
-            <a:fillRect/>
-          </a:stretch>
-        </p:blipFill>
-        <p:spPr bwMode="auto">
-          <a:xfrm>
-            <a:off x="151975" y="1546120"/>
-            <a:ext cx="3642103" cy="2325575"/>
+        </p:nvSpPr>
+        <p:spPr>
+          <a:xfrm>
+            <a:off x="235510" y="1479573"/>
+            <a:ext cx="5590015" cy="1631216"/>
           </a:xfrm>
           <a:prstGeom prst="rect">
             <a:avLst/>
           </a:prstGeom>
           <a:noFill/>
-          <a:extLst>
-            <a:ext uri="{909E8E84-426E-40DD-AFC4-6F175D3DCCD1}">
-              <a14:hiddenFill xmlns:a14="http://schemas.microsoft.com/office/drawing/2010/main">
-                <a:solidFill>
-                  <a:srgbClr val="FFFFFF"/>
-                </a:solidFill>
-              </a14:hiddenFill>
-            </a:ext>
-          </a:extLst>
-        </p:spPr>
-      </p:pic>
-      <p:pic>
-        <p:nvPicPr>
-          <p:cNvPr id="3078" name="Picture 6">
-            <a:extLst>
-              <a:ext uri="{FF2B5EF4-FFF2-40B4-BE49-F238E27FC236}">
-                <a16:creationId xmlns:a16="http://schemas.microsoft.com/office/drawing/2014/main" id="{58252791-F410-4FF2-8DE2-5BD49AA43CBD}"/>
-              </a:ext>
-            </a:extLst>
-          </p:cNvPr>
-          <p:cNvPicPr>
-            <a:picLocks noChangeAspect="1" noChangeArrowheads="1"/>
-          </p:cNvPicPr>
+        </p:spPr>
+        <p:txBody>
+          <a:bodyPr wrap="square" rtlCol="0">
+            <a:spAutoFit/>
+          </a:bodyPr>
+          <a:lstStyle/>
+          <a:p>
+            <a:pPr marL="342900" indent="-342900">
+              <a:buFont typeface="Wingdings" panose="05000000000000000000" pitchFamily="2" charset="2"/>
+              <a:buChar char="q"/>
+            </a:pPr>
+            <a:r>
+              <a:rPr lang="en-US" sz="2000" dirty="0">
+                <a:solidFill>
+                  <a:schemeClr val="bg1">
+                    <a:lumMod val="95000"/>
+                  </a:schemeClr>
+                </a:solidFill>
+                <a:latin typeface="+mj-lt"/>
+              </a:rPr>
+              <a:t>Young adult ranges 17 to 35, Senior adult ranges 36-55 and Elder ranges all above 55</a:t>
+            </a:r>
+          </a:p>
+          <a:p>
+            <a:pPr marL="342900" indent="-342900">
+              <a:buFont typeface="Wingdings" panose="05000000000000000000" pitchFamily="2" charset="2"/>
+              <a:buChar char="q"/>
+            </a:pPr>
+            <a:r>
+              <a:rPr lang="en-US" sz="2000" dirty="0">
+                <a:solidFill>
+                  <a:schemeClr val="bg1">
+                    <a:lumMod val="95000"/>
+                  </a:schemeClr>
+                </a:solidFill>
+                <a:latin typeface="+mj-lt"/>
+              </a:rPr>
+              <a:t>The difference of charges between the age groups is evident, but not extreme</a:t>
+            </a:r>
+          </a:p>
+          <a:p>
+            <a:pPr marL="285750" indent="-285750">
+              <a:buFont typeface="Wingdings" panose="05000000000000000000" pitchFamily="2" charset="2"/>
+              <a:buChar char="q"/>
+            </a:pPr>
+            <a:endParaRPr lang="en-US" sz="2000" dirty="0">
+              <a:solidFill>
+                <a:schemeClr val="bg1">
+                  <a:lumMod val="95000"/>
+                </a:schemeClr>
+              </a:solidFill>
+              <a:latin typeface="+mj-lt"/>
+            </a:endParaRPr>
+          </a:p>
+        </p:txBody>
+      </p:sp>
+      <p:sp>
+        <p:nvSpPr>
+          <p:cNvPr id="7" name="TextBox 6">
+            <a:extLst>
+              <a:ext uri="{FF2B5EF4-FFF2-40B4-BE49-F238E27FC236}">
+                <a16:creationId xmlns:a16="http://schemas.microsoft.com/office/drawing/2014/main" id="{39A47610-A6F4-4B8B-90D1-5DEB67C0F9E6}"/>
+              </a:ext>
+            </a:extLst>
+          </p:cNvPr>
+          <p:cNvSpPr txBox="1"/>
           <p:nvPr/>
-        </p:nvPicPr>
-        <p:blipFill>
-          <a:blip r:embed="rId3">
-            <a:extLst>
-              <a:ext uri="{28A0092B-C50C-407E-A947-70E740481C1C}">
-                <a14:useLocalDpi xmlns:a14="http://schemas.microsoft.com/office/drawing/2010/main" val="0"/>
-              </a:ext>
-            </a:extLst>
-          </a:blip>
-          <a:srcRect/>
-          <a:stretch>
-            <a:fillRect/>
-          </a:stretch>
-        </p:blipFill>
-        <p:spPr bwMode="auto">
-          <a:xfrm>
-            <a:off x="7770973" y="1500402"/>
-            <a:ext cx="4269052" cy="2002298"/>
+        </p:nvSpPr>
+        <p:spPr>
+          <a:xfrm>
+            <a:off x="6689767" y="5080778"/>
+            <a:ext cx="5021234" cy="1631216"/>
           </a:xfrm>
           <a:prstGeom prst="rect">
             <a:avLst/>
           </a:prstGeom>
           <a:noFill/>
-          <a:extLst>
-            <a:ext uri="{909E8E84-426E-40DD-AFC4-6F175D3DCCD1}">
-              <a14:hiddenFill xmlns:a14="http://schemas.microsoft.com/office/drawing/2010/main">
-                <a:solidFill>
-                  <a:srgbClr val="FFFFFF"/>
-                </a:solidFill>
-              </a14:hiddenFill>
-            </a:ext>
-          </a:extLst>
-        </p:spPr>
-      </p:pic>
+        </p:spPr>
+        <p:txBody>
+          <a:bodyPr wrap="square" rtlCol="0">
+            <a:spAutoFit/>
+          </a:bodyPr>
+          <a:lstStyle/>
+          <a:p>
+            <a:pPr marL="285750" indent="-285750">
+              <a:buFont typeface="Wingdings" panose="05000000000000000000" pitchFamily="2" charset="2"/>
+              <a:buChar char="q"/>
+            </a:pPr>
+            <a:r>
+              <a:rPr lang="en-US" sz="2000" dirty="0">
+                <a:solidFill>
+                  <a:schemeClr val="bg1"/>
+                </a:solidFill>
+                <a:latin typeface="+mj-lt"/>
+              </a:rPr>
+              <a:t>Charges in the Northeast or Northwest average under $10,000 for non-smokers, and $30,000 for smokers</a:t>
+            </a:r>
+          </a:p>
+          <a:p>
+            <a:pPr marL="285750" indent="-285750">
+              <a:buFont typeface="Wingdings" panose="05000000000000000000" pitchFamily="2" charset="2"/>
+              <a:buChar char="q"/>
+            </a:pPr>
+            <a:r>
+              <a:rPr lang="en-US" sz="2000" dirty="0">
+                <a:solidFill>
+                  <a:schemeClr val="bg1"/>
+                </a:solidFill>
+                <a:latin typeface="+mj-lt"/>
+              </a:rPr>
+              <a:t>The differences between regions are very small.</a:t>
+            </a:r>
+          </a:p>
+        </p:txBody>
+      </p:sp>
       <p:pic>
         <p:nvPicPr>
-          <p:cNvPr id="3080" name="Picture 8">
-            <a:extLst>
-              <a:ext uri="{FF2B5EF4-FFF2-40B4-BE49-F238E27FC236}">
-                <a16:creationId xmlns:a16="http://schemas.microsoft.com/office/drawing/2014/main" id="{5498BFD3-3AE6-4E5B-9C2B-7346B68C33DD}"/>
-              </a:ext>
-            </a:extLst>
-          </p:cNvPr>
-          <p:cNvPicPr>
-            <a:picLocks noChangeAspect="1" noChangeArrowheads="1"/>
-          </p:cNvPicPr>
-          <p:nvPr/>
-        </p:nvPicPr>
-        <p:blipFill>
-          <a:blip r:embed="rId4">
-            <a:extLst>
-              <a:ext uri="{28A0092B-C50C-407E-A947-70E740481C1C}">
-                <a14:useLocalDpi xmlns:a14="http://schemas.microsoft.com/office/drawing/2010/main" val="0"/>
-              </a:ext>
-            </a:extLst>
-          </a:blip>
-          <a:srcRect/>
-          <a:stretch>
-            <a:fillRect/>
-          </a:stretch>
-        </p:blipFill>
-        <p:spPr bwMode="auto">
-          <a:xfrm>
-            <a:off x="4034652" y="1500402"/>
-            <a:ext cx="3495747" cy="2633930"/>
-          </a:xfrm>
-          <a:prstGeom prst="rect">
-            <a:avLst/>
-          </a:prstGeom>
-          <a:noFill/>
-          <a:extLst>
-            <a:ext uri="{909E8E84-426E-40DD-AFC4-6F175D3DCCD1}">
-              <a14:hiddenFill xmlns:a14="http://schemas.microsoft.com/office/drawing/2010/main">
-                <a:solidFill>
-                  <a:srgbClr val="FFFFFF"/>
-                </a:solidFill>
-              </a14:hiddenFill>
-            </a:ext>
-          </a:extLst>
-        </p:spPr>
-      </p:pic>
-      <p:pic>
-        <p:nvPicPr>
-          <p:cNvPr id="35" name="Picture 34">
-            <a:extLst>
-              <a:ext uri="{FF2B5EF4-FFF2-40B4-BE49-F238E27FC236}">
-                <a16:creationId xmlns:a16="http://schemas.microsoft.com/office/drawing/2014/main" id="{26662FDA-B153-49AF-82A6-09803CD976BF}"/>
+          <p:cNvPr id="8" name="Picture 7">
+            <a:extLst>
+              <a:ext uri="{FF2B5EF4-FFF2-40B4-BE49-F238E27FC236}">
+                <a16:creationId xmlns:a16="http://schemas.microsoft.com/office/drawing/2014/main" id="{C3867B26-9753-47CD-A2DD-8FCB4C7949F1}"/>
               </a:ext>
             </a:extLst>
           </p:cNvPr>
@@ -18381,33 +18383,55 @@
           <p:nvPr/>
         </p:nvPicPr>
         <p:blipFill>
-          <a:blip r:embed="rId5"/>
+          <a:blip r:embed="rId3"/>
           <a:stretch>
             <a:fillRect/>
           </a:stretch>
         </p:blipFill>
         <p:spPr>
           <a:xfrm>
-            <a:off x="1337481" y="4304744"/>
-            <a:ext cx="8379707" cy="2371295"/>
+            <a:off x="6549655" y="1254709"/>
+            <a:ext cx="5390820" cy="3762281"/>
           </a:xfrm>
           <a:prstGeom prst="rect">
             <a:avLst/>
           </a:prstGeom>
-          <a:ln>
-            <a:solidFill>
-              <a:srgbClr val="000000"/>
-            </a:solidFill>
-          </a:ln>
-          <a:effectLst>
-            <a:softEdge rad="38100"/>
-          </a:effectLst>
+        </p:spPr>
+      </p:pic>
+      <p:pic>
+        <p:nvPicPr>
+          <p:cNvPr id="17" name="Picture 16">
+            <a:extLst>
+              <a:ext uri="{FF2B5EF4-FFF2-40B4-BE49-F238E27FC236}">
+                <a16:creationId xmlns:a16="http://schemas.microsoft.com/office/drawing/2014/main" id="{4B059E0A-40FB-442E-A4A1-D67731BBCEA9}"/>
+              </a:ext>
+            </a:extLst>
+          </p:cNvPr>
+          <p:cNvPicPr>
+            <a:picLocks noChangeAspect="1"/>
+          </p:cNvPicPr>
+          <p:nvPr/>
+        </p:nvPicPr>
+        <p:blipFill>
+          <a:blip r:embed="rId4"/>
+          <a:stretch>
+            <a:fillRect/>
+          </a:stretch>
+        </p:blipFill>
+        <p:spPr>
+          <a:xfrm>
+            <a:off x="235511" y="2809504"/>
+            <a:ext cx="6242620" cy="3773751"/>
+          </a:xfrm>
+          <a:prstGeom prst="rect">
+            <a:avLst/>
+          </a:prstGeom>
         </p:spPr>
       </p:pic>
     </p:spTree>
     <p:extLst>
       <p:ext uri="{BB962C8B-B14F-4D97-AF65-F5344CB8AC3E}">
-        <p14:creationId xmlns:p14="http://schemas.microsoft.com/office/powerpoint/2010/main" val="1299719508"/>
+        <p14:creationId xmlns:p14="http://schemas.microsoft.com/office/powerpoint/2010/main" val="4112768196"/>
       </p:ext>
     </p:extLst>
   </p:cSld>
@@ -18420,6 +18444,14 @@
 <file path=ppt/slides/slide9.xml><?xml version="1.0" encoding="utf-8"?>
 <p:sld xmlns:a="http://schemas.openxmlformats.org/drawingml/2006/main" xmlns:r="http://schemas.openxmlformats.org/officeDocument/2006/relationships" xmlns:p="http://schemas.openxmlformats.org/presentationml/2006/main">
   <p:cSld>
+    <p:bg>
+      <p:bgPr>
+        <a:solidFill>
+          <a:schemeClr val="bg1"/>
+        </a:solidFill>
+        <a:effectLst/>
+      </p:bgPr>
+    </p:bg>
     <p:spTree>
       <p:nvGrpSpPr>
         <p:cNvPr id="1" name=""/>
@@ -18436,50 +18468,6 @@
       </p:grpSpPr>
       <p:sp>
         <p:nvSpPr>
-          <p:cNvPr id="2" name="Title 1">
-            <a:extLst>
-              <a:ext uri="{FF2B5EF4-FFF2-40B4-BE49-F238E27FC236}">
-                <a16:creationId xmlns:a16="http://schemas.microsoft.com/office/drawing/2014/main" id="{D95ADAAE-9927-4190-BD9B-0FA7467163AB}"/>
-              </a:ext>
-            </a:extLst>
-          </p:cNvPr>
-          <p:cNvSpPr>
-            <a:spLocks noGrp="1"/>
-          </p:cNvSpPr>
-          <p:nvPr>
-            <p:ph type="title"/>
-          </p:nvPr>
-        </p:nvSpPr>
-        <p:spPr>
-          <a:xfrm>
-            <a:off x="683999" y="808186"/>
-            <a:ext cx="10684585" cy="1607468"/>
-          </a:xfrm>
-        </p:spPr>
-        <p:txBody>
-          <a:bodyPr/>
-          <a:lstStyle/>
-          <a:p>
-            <a:r>
-              <a:rPr lang="en-US" sz="2800" dirty="0"/>
-              <a:t>Linear regression 		Lasso Regression</a:t>
-            </a:r>
-            <a:br>
-              <a:rPr lang="en-US" sz="2800" dirty="0"/>
-            </a:br>
-            <a:r>
-              <a:rPr lang="en-US" sz="2800" dirty="0"/>
-              <a:t>Ridge  Regression 		Random Forest</a:t>
-            </a:r>
-            <a:br>
-              <a:rPr lang="en-US" dirty="0"/>
-            </a:br>
-            <a:endParaRPr lang="en-US" dirty="0"/>
-          </a:p>
-        </p:txBody>
-      </p:sp>
-      <p:sp>
-        <p:nvSpPr>
           <p:cNvPr id="4" name="Slide Number Placeholder 3">
             <a:extLst>
               <a:ext uri="{FF2B5EF4-FFF2-40B4-BE49-F238E27FC236}">
@@ -18508,66 +18496,6 @@
           </a:p>
         </p:txBody>
       </p:sp>
-      <p:pic>
-        <p:nvPicPr>
-          <p:cNvPr id="6" name="Picture 5">
-            <a:extLst>
-              <a:ext uri="{FF2B5EF4-FFF2-40B4-BE49-F238E27FC236}">
-                <a16:creationId xmlns:a16="http://schemas.microsoft.com/office/drawing/2014/main" id="{C1DFA05A-4B78-484B-A32D-B0513880E9A2}"/>
-              </a:ext>
-            </a:extLst>
-          </p:cNvPr>
-          <p:cNvPicPr>
-            <a:picLocks noChangeAspect="1"/>
-          </p:cNvPicPr>
-          <p:nvPr/>
-        </p:nvPicPr>
-        <p:blipFill>
-          <a:blip r:embed="rId2"/>
-          <a:stretch>
-            <a:fillRect/>
-          </a:stretch>
-        </p:blipFill>
-        <p:spPr>
-          <a:xfrm>
-            <a:off x="0" y="1719618"/>
-            <a:ext cx="7018325" cy="5015552"/>
-          </a:xfrm>
-          <a:prstGeom prst="rect">
-            <a:avLst/>
-          </a:prstGeom>
-        </p:spPr>
-      </p:pic>
-      <p:pic>
-        <p:nvPicPr>
-          <p:cNvPr id="8" name="Picture 7">
-            <a:extLst>
-              <a:ext uri="{FF2B5EF4-FFF2-40B4-BE49-F238E27FC236}">
-                <a16:creationId xmlns:a16="http://schemas.microsoft.com/office/drawing/2014/main" id="{5AA1D9F4-38DC-4D5F-AF2A-0EE07806AA08}"/>
-              </a:ext>
-            </a:extLst>
-          </p:cNvPr>
-          <p:cNvPicPr>
-            <a:picLocks noChangeAspect="1"/>
-          </p:cNvPicPr>
-          <p:nvPr/>
-        </p:nvPicPr>
-        <p:blipFill>
-          <a:blip r:embed="rId3"/>
-          <a:stretch>
-            <a:fillRect/>
-          </a:stretch>
-        </p:blipFill>
-        <p:spPr>
-          <a:xfrm>
-            <a:off x="6291618" y="1719618"/>
-            <a:ext cx="5763904" cy="3471247"/>
-          </a:xfrm>
-          <a:prstGeom prst="rect">
-            <a:avLst/>
-          </a:prstGeom>
-        </p:spPr>
-      </p:pic>
       <p:sp>
         <p:nvSpPr>
           <p:cNvPr id="10" name="object 7" descr="Beige rectangle">
@@ -18630,7 +18558,7 @@
         </p:nvSpPr>
         <p:spPr>
           <a:xfrm>
-            <a:off x="607325" y="155612"/>
+            <a:off x="607325" y="196193"/>
             <a:ext cx="5390866" cy="584775"/>
           </a:xfrm>
           <a:prstGeom prst="rect">
@@ -18656,6 +18584,351 @@
           </a:p>
         </p:txBody>
       </p:sp>
+      <p:sp>
+        <p:nvSpPr>
+          <p:cNvPr id="17" name="TextBox 16">
+            <a:extLst>
+              <a:ext uri="{FF2B5EF4-FFF2-40B4-BE49-F238E27FC236}">
+                <a16:creationId xmlns:a16="http://schemas.microsoft.com/office/drawing/2014/main" id="{67FC15F7-9AEF-40EE-928B-C70472D4CFCF}"/>
+              </a:ext>
+            </a:extLst>
+          </p:cNvPr>
+          <p:cNvSpPr txBox="1"/>
+          <p:nvPr/>
+        </p:nvSpPr>
+        <p:spPr>
+          <a:xfrm>
+            <a:off x="607325" y="2735259"/>
+            <a:ext cx="6093994" cy="369332"/>
+          </a:xfrm>
+          <a:prstGeom prst="rect">
+            <a:avLst/>
+          </a:prstGeom>
+          <a:noFill/>
+        </p:spPr>
+        <p:txBody>
+          <a:bodyPr wrap="square">
+            <a:spAutoFit/>
+          </a:bodyPr>
+          <a:lstStyle/>
+          <a:p>
+            <a:r>
+              <a:rPr lang="en-US" sz="1800" b="1" dirty="0">
+                <a:solidFill>
+                  <a:schemeClr val="bg2">
+                    <a:lumMod val="50000"/>
+                  </a:schemeClr>
+                </a:solidFill>
+              </a:rPr>
+              <a:t>Linear Regression </a:t>
+            </a:r>
+            <a:endParaRPr lang="en-US" b="1" dirty="0">
+              <a:solidFill>
+                <a:schemeClr val="bg2">
+                  <a:lumMod val="50000"/>
+                </a:schemeClr>
+              </a:solidFill>
+            </a:endParaRPr>
+          </a:p>
+        </p:txBody>
+      </p:sp>
+      <p:sp>
+        <p:nvSpPr>
+          <p:cNvPr id="22" name="TextBox 21">
+            <a:extLst>
+              <a:ext uri="{FF2B5EF4-FFF2-40B4-BE49-F238E27FC236}">
+                <a16:creationId xmlns:a16="http://schemas.microsoft.com/office/drawing/2014/main" id="{53AB1214-5D2F-4F6B-BDDD-AC426900DCDC}"/>
+              </a:ext>
+            </a:extLst>
+          </p:cNvPr>
+          <p:cNvSpPr txBox="1"/>
+          <p:nvPr/>
+        </p:nvSpPr>
+        <p:spPr>
+          <a:xfrm>
+            <a:off x="607325" y="4438899"/>
+            <a:ext cx="6093994" cy="369332"/>
+          </a:xfrm>
+          <a:prstGeom prst="rect">
+            <a:avLst/>
+          </a:prstGeom>
+          <a:noFill/>
+        </p:spPr>
+        <p:txBody>
+          <a:bodyPr wrap="square">
+            <a:spAutoFit/>
+          </a:bodyPr>
+          <a:lstStyle/>
+          <a:p>
+            <a:r>
+              <a:rPr lang="en-US" sz="1800" dirty="0"/>
+              <a:t>Lasso Regression</a:t>
+            </a:r>
+            <a:endParaRPr lang="en-US" dirty="0"/>
+          </a:p>
+        </p:txBody>
+      </p:sp>
+      <p:pic>
+        <p:nvPicPr>
+          <p:cNvPr id="24" name="Picture 23">
+            <a:extLst>
+              <a:ext uri="{FF2B5EF4-FFF2-40B4-BE49-F238E27FC236}">
+                <a16:creationId xmlns:a16="http://schemas.microsoft.com/office/drawing/2014/main" id="{0AB80C11-C1F5-4192-B3C6-A8D2F5244888}"/>
+              </a:ext>
+            </a:extLst>
+          </p:cNvPr>
+          <p:cNvPicPr>
+            <a:picLocks noChangeAspect="1"/>
+          </p:cNvPicPr>
+          <p:nvPr/>
+        </p:nvPicPr>
+        <p:blipFill>
+          <a:blip r:embed="rId2"/>
+          <a:stretch>
+            <a:fillRect/>
+          </a:stretch>
+        </p:blipFill>
+        <p:spPr>
+          <a:xfrm>
+            <a:off x="505326" y="3104591"/>
+            <a:ext cx="4922825" cy="1702814"/>
+          </a:xfrm>
+          <a:prstGeom prst="rect">
+            <a:avLst/>
+          </a:prstGeom>
+        </p:spPr>
+      </p:pic>
+      <p:sp>
+        <p:nvSpPr>
+          <p:cNvPr id="26" name="TextBox 25">
+            <a:extLst>
+              <a:ext uri="{FF2B5EF4-FFF2-40B4-BE49-F238E27FC236}">
+                <a16:creationId xmlns:a16="http://schemas.microsoft.com/office/drawing/2014/main" id="{60BDE337-749A-4419-8ED1-7D5674CF47D2}"/>
+              </a:ext>
+            </a:extLst>
+          </p:cNvPr>
+          <p:cNvSpPr txBox="1"/>
+          <p:nvPr/>
+        </p:nvSpPr>
+        <p:spPr>
+          <a:xfrm>
+            <a:off x="625642" y="4794548"/>
+            <a:ext cx="6093994" cy="369332"/>
+          </a:xfrm>
+          <a:prstGeom prst="rect">
+            <a:avLst/>
+          </a:prstGeom>
+          <a:noFill/>
+        </p:spPr>
+        <p:txBody>
+          <a:bodyPr wrap="square">
+            <a:spAutoFit/>
+          </a:bodyPr>
+          <a:lstStyle/>
+          <a:p>
+            <a:r>
+              <a:rPr lang="en-US" sz="1800" b="1" dirty="0">
+                <a:solidFill>
+                  <a:schemeClr val="bg2">
+                    <a:lumMod val="50000"/>
+                  </a:schemeClr>
+                </a:solidFill>
+              </a:rPr>
+              <a:t>Lasso Regression</a:t>
+            </a:r>
+            <a:endParaRPr lang="en-US" b="1" dirty="0">
+              <a:solidFill>
+                <a:schemeClr val="bg2">
+                  <a:lumMod val="50000"/>
+                </a:schemeClr>
+              </a:solidFill>
+            </a:endParaRPr>
+          </a:p>
+        </p:txBody>
+      </p:sp>
+      <p:pic>
+        <p:nvPicPr>
+          <p:cNvPr id="28" name="Picture 27">
+            <a:extLst>
+              <a:ext uri="{FF2B5EF4-FFF2-40B4-BE49-F238E27FC236}">
+                <a16:creationId xmlns:a16="http://schemas.microsoft.com/office/drawing/2014/main" id="{1BED5C74-17F7-4C4C-A8F2-91BEA23C407B}"/>
+              </a:ext>
+            </a:extLst>
+          </p:cNvPr>
+          <p:cNvPicPr>
+            <a:picLocks noChangeAspect="1"/>
+          </p:cNvPicPr>
+          <p:nvPr/>
+        </p:nvPicPr>
+        <p:blipFill>
+          <a:blip r:embed="rId3"/>
+          <a:stretch>
+            <a:fillRect/>
+          </a:stretch>
+        </p:blipFill>
+        <p:spPr>
+          <a:xfrm>
+            <a:off x="565484" y="5176737"/>
+            <a:ext cx="5478031" cy="1525651"/>
+          </a:xfrm>
+          <a:prstGeom prst="rect">
+            <a:avLst/>
+          </a:prstGeom>
+        </p:spPr>
+      </p:pic>
+      <p:sp>
+        <p:nvSpPr>
+          <p:cNvPr id="30" name="TextBox 29">
+            <a:extLst>
+              <a:ext uri="{FF2B5EF4-FFF2-40B4-BE49-F238E27FC236}">
+                <a16:creationId xmlns:a16="http://schemas.microsoft.com/office/drawing/2014/main" id="{856F9C01-AB41-4D48-AB4C-4D82D533C8CA}"/>
+              </a:ext>
+            </a:extLst>
+          </p:cNvPr>
+          <p:cNvSpPr txBox="1"/>
+          <p:nvPr/>
+        </p:nvSpPr>
+        <p:spPr>
+          <a:xfrm>
+            <a:off x="6998265" y="2735259"/>
+            <a:ext cx="3044991" cy="369332"/>
+          </a:xfrm>
+          <a:prstGeom prst="rect">
+            <a:avLst/>
+          </a:prstGeom>
+          <a:noFill/>
+        </p:spPr>
+        <p:txBody>
+          <a:bodyPr wrap="square">
+            <a:spAutoFit/>
+          </a:bodyPr>
+          <a:lstStyle/>
+          <a:p>
+            <a:r>
+              <a:rPr lang="en-US" sz="1800" b="1" dirty="0">
+                <a:solidFill>
+                  <a:schemeClr val="bg2">
+                    <a:lumMod val="50000"/>
+                  </a:schemeClr>
+                </a:solidFill>
+              </a:rPr>
+              <a:t>Ridge  Regression </a:t>
+            </a:r>
+            <a:endParaRPr lang="en-US" b="1" dirty="0">
+              <a:solidFill>
+                <a:schemeClr val="bg2">
+                  <a:lumMod val="50000"/>
+                </a:schemeClr>
+              </a:solidFill>
+            </a:endParaRPr>
+          </a:p>
+        </p:txBody>
+      </p:sp>
+      <p:pic>
+        <p:nvPicPr>
+          <p:cNvPr id="32" name="Picture 31">
+            <a:extLst>
+              <a:ext uri="{FF2B5EF4-FFF2-40B4-BE49-F238E27FC236}">
+                <a16:creationId xmlns:a16="http://schemas.microsoft.com/office/drawing/2014/main" id="{A0CF1D90-74B7-44EC-8FFE-330F05CADAD1}"/>
+              </a:ext>
+            </a:extLst>
+          </p:cNvPr>
+          <p:cNvPicPr>
+            <a:picLocks noChangeAspect="1"/>
+          </p:cNvPicPr>
+          <p:nvPr/>
+        </p:nvPicPr>
+        <p:blipFill>
+          <a:blip r:embed="rId4"/>
+          <a:stretch>
+            <a:fillRect/>
+          </a:stretch>
+        </p:blipFill>
+        <p:spPr>
+          <a:xfrm>
+            <a:off x="6998265" y="3140533"/>
+            <a:ext cx="4922825" cy="1828510"/>
+          </a:xfrm>
+          <a:prstGeom prst="rect">
+            <a:avLst/>
+          </a:prstGeom>
+        </p:spPr>
+      </p:pic>
+      <p:sp>
+        <p:nvSpPr>
+          <p:cNvPr id="34" name="TextBox 33">
+            <a:extLst>
+              <a:ext uri="{FF2B5EF4-FFF2-40B4-BE49-F238E27FC236}">
+                <a16:creationId xmlns:a16="http://schemas.microsoft.com/office/drawing/2014/main" id="{75741FD9-0717-445D-9054-6BBBBD43F97B}"/>
+              </a:ext>
+            </a:extLst>
+          </p:cNvPr>
+          <p:cNvSpPr txBox="1"/>
+          <p:nvPr/>
+        </p:nvSpPr>
+        <p:spPr>
+          <a:xfrm>
+            <a:off x="7016582" y="4681819"/>
+            <a:ext cx="4183980" cy="646331"/>
+          </a:xfrm>
+          <a:prstGeom prst="rect">
+            <a:avLst/>
+          </a:prstGeom>
+          <a:noFill/>
+        </p:spPr>
+        <p:txBody>
+          <a:bodyPr wrap="square">
+            <a:spAutoFit/>
+          </a:bodyPr>
+          <a:lstStyle/>
+          <a:p>
+            <a:r>
+              <a:rPr lang="en-US" b="1" dirty="0">
+                <a:solidFill>
+                  <a:schemeClr val="bg2">
+                    <a:lumMod val="50000"/>
+                  </a:schemeClr>
+                </a:solidFill>
+              </a:rPr>
+              <a:t>Random Forest</a:t>
+            </a:r>
+            <a:br>
+              <a:rPr lang="en-US" dirty="0"/>
+            </a:br>
+            <a:endParaRPr lang="en-US" dirty="0"/>
+          </a:p>
+        </p:txBody>
+      </p:sp>
+      <p:pic>
+        <p:nvPicPr>
+          <p:cNvPr id="38" name="Picture 37">
+            <a:extLst>
+              <a:ext uri="{FF2B5EF4-FFF2-40B4-BE49-F238E27FC236}">
+                <a16:creationId xmlns:a16="http://schemas.microsoft.com/office/drawing/2014/main" id="{8188FC28-D712-457A-8BC4-100F8C7E8AB0}"/>
+              </a:ext>
+            </a:extLst>
+          </p:cNvPr>
+          <p:cNvPicPr>
+            <a:picLocks noChangeAspect="1"/>
+          </p:cNvPicPr>
+          <p:nvPr/>
+        </p:nvPicPr>
+        <p:blipFill>
+          <a:blip r:embed="rId5"/>
+          <a:stretch>
+            <a:fillRect/>
+          </a:stretch>
+        </p:blipFill>
+        <p:spPr>
+          <a:xfrm>
+            <a:off x="7016582" y="5069635"/>
+            <a:ext cx="4904508" cy="1788365"/>
+          </a:xfrm>
+          <a:prstGeom prst="rect">
+            <a:avLst/>
+          </a:prstGeom>
+        </p:spPr>
+      </p:pic>
     </p:spTree>
     <p:extLst>
       <p:ext uri="{BB962C8B-B14F-4D97-AF65-F5344CB8AC3E}">
